--- a/Graphs/Combined_graphs.pptx
+++ b/Graphs/Combined_graphs.pptx
@@ -6,6 +6,7 @@
   </p:sldMasterIdLst>
   <p:sldIdLst>
     <p:sldId id="256" r:id="rId2"/>
+    <p:sldId id="257" r:id="rId3"/>
   </p:sldIdLst>
   <p:sldSz cx="12192000" cy="6858000"/>
   <p:notesSz cx="6858000" cy="9144000"/>
@@ -104,6 +105,11 @@
       </a:defRPr>
     </a:lvl9pPr>
   </p:defaultTextStyle>
+  <p:extLst>
+    <p:ext uri="{EFAFB233-063F-42B5-8137-9DF3F51BA10A}">
+      <p15:sldGuideLst xmlns:p15="http://schemas.microsoft.com/office/powerpoint/2012/main"/>
+    </p:ext>
+  </p:extLst>
 </p:presentation>
 </file>
 
@@ -3546,7 +3552,7 @@
             <p:spPr>
               <a:xfrm>
                 <a:off x="6382717" y="551395"/>
-                <a:ext cx="228575" cy="246158"/>
+                <a:ext cx="229253" cy="246888"/>
               </a:xfrm>
               <a:prstGeom prst="rect">
                 <a:avLst/>
@@ -3619,6 +3625,177 @@
     <p:extLst>
       <p:ext uri="{BB962C8B-B14F-4D97-AF65-F5344CB8AC3E}">
         <p14:creationId xmlns:p14="http://schemas.microsoft.com/office/powerpoint/2010/main" val="369796832"/>
+      </p:ext>
+    </p:extLst>
+  </p:cSld>
+  <p:clrMapOvr>
+    <a:masterClrMapping/>
+  </p:clrMapOvr>
+</p:sld>
+</file>
+
+<file path=ppt/slides/slide2.xml><?xml version="1.0" encoding="utf-8"?>
+<p:sld xmlns:a="http://schemas.openxmlformats.org/drawingml/2006/main" xmlns:r="http://schemas.openxmlformats.org/officeDocument/2006/relationships" xmlns:p="http://schemas.openxmlformats.org/presentationml/2006/main">
+  <p:cSld>
+    <p:spTree>
+      <p:nvGrpSpPr>
+        <p:cNvPr id="1" name=""/>
+        <p:cNvGrpSpPr/>
+        <p:nvPr/>
+      </p:nvGrpSpPr>
+      <p:grpSpPr>
+        <a:xfrm>
+          <a:off x="0" y="0"/>
+          <a:ext cx="0" cy="0"/>
+          <a:chOff x="0" y="0"/>
+          <a:chExt cx="0" cy="0"/>
+        </a:xfrm>
+      </p:grpSpPr>
+      <p:grpSp>
+        <p:nvGrpSpPr>
+          <p:cNvPr id="14" name="Group 13">
+            <a:extLst>
+              <a:ext uri="{FF2B5EF4-FFF2-40B4-BE49-F238E27FC236}">
+                <a16:creationId xmlns:a16="http://schemas.microsoft.com/office/drawing/2014/main" id="{A2D264EA-9BCA-080C-A52B-D4B065AAF188}"/>
+              </a:ext>
+            </a:extLst>
+          </p:cNvPr>
+          <p:cNvGrpSpPr/>
+          <p:nvPr/>
+        </p:nvGrpSpPr>
+        <p:grpSpPr>
+          <a:xfrm>
+            <a:off x="936666" y="823292"/>
+            <a:ext cx="9843925" cy="4961558"/>
+            <a:chOff x="936666" y="823292"/>
+            <a:chExt cx="9843925" cy="4961558"/>
+          </a:xfrm>
+        </p:grpSpPr>
+        <p:pic>
+          <p:nvPicPr>
+            <p:cNvPr id="8" name="Picture 7">
+              <a:extLst>
+                <a:ext uri="{FF2B5EF4-FFF2-40B4-BE49-F238E27FC236}">
+                  <a16:creationId xmlns:a16="http://schemas.microsoft.com/office/drawing/2014/main" id="{C1A8C6B1-EC97-B1B4-1811-966EBDAAADF9}"/>
+                </a:ext>
+              </a:extLst>
+            </p:cNvPr>
+            <p:cNvPicPr>
+              <a:picLocks noChangeAspect="1"/>
+            </p:cNvPicPr>
+            <p:nvPr/>
+          </p:nvPicPr>
+          <p:blipFill>
+            <a:blip r:embed="rId2"/>
+            <a:stretch>
+              <a:fillRect/>
+            </a:stretch>
+          </p:blipFill>
+          <p:spPr>
+            <a:xfrm>
+              <a:off x="936666" y="1073150"/>
+              <a:ext cx="4191000" cy="4711700"/>
+            </a:xfrm>
+            <a:prstGeom prst="rect">
+              <a:avLst/>
+            </a:prstGeom>
+          </p:spPr>
+        </p:pic>
+        <p:pic>
+          <p:nvPicPr>
+            <p:cNvPr id="9" name="Picture 8">
+              <a:extLst>
+                <a:ext uri="{FF2B5EF4-FFF2-40B4-BE49-F238E27FC236}">
+                  <a16:creationId xmlns:a16="http://schemas.microsoft.com/office/drawing/2014/main" id="{CD7B893F-B3AB-C5A4-3E88-7F58556AC9A1}"/>
+                </a:ext>
+              </a:extLst>
+            </p:cNvPr>
+            <p:cNvPicPr>
+              <a:picLocks noChangeAspect="1"/>
+            </p:cNvPicPr>
+            <p:nvPr/>
+          </p:nvPicPr>
+          <p:blipFill>
+            <a:blip r:embed="rId3"/>
+            <a:stretch>
+              <a:fillRect/>
+            </a:stretch>
+          </p:blipFill>
+          <p:spPr>
+            <a:xfrm>
+              <a:off x="1411409" y="826992"/>
+              <a:ext cx="228575" cy="246158"/>
+            </a:xfrm>
+            <a:prstGeom prst="rect">
+              <a:avLst/>
+            </a:prstGeom>
+          </p:spPr>
+        </p:pic>
+        <p:pic>
+          <p:nvPicPr>
+            <p:cNvPr id="12" name="Picture 11">
+              <a:extLst>
+                <a:ext uri="{FF2B5EF4-FFF2-40B4-BE49-F238E27FC236}">
+                  <a16:creationId xmlns:a16="http://schemas.microsoft.com/office/drawing/2014/main" id="{9BF5E7D6-783A-3D23-7E66-726A2C27035A}"/>
+                </a:ext>
+              </a:extLst>
+            </p:cNvPr>
+            <p:cNvPicPr>
+              <a:picLocks noChangeAspect="1"/>
+            </p:cNvPicPr>
+            <p:nvPr/>
+          </p:nvPicPr>
+          <p:blipFill>
+            <a:blip r:embed="rId4"/>
+            <a:stretch>
+              <a:fillRect/>
+            </a:stretch>
+          </p:blipFill>
+          <p:spPr>
+            <a:xfrm>
+              <a:off x="5408551" y="1070180"/>
+              <a:ext cx="5372040" cy="3881299"/>
+            </a:xfrm>
+            <a:prstGeom prst="rect">
+              <a:avLst/>
+            </a:prstGeom>
+          </p:spPr>
+        </p:pic>
+        <p:pic>
+          <p:nvPicPr>
+            <p:cNvPr id="13" name="Picture 12">
+              <a:extLst>
+                <a:ext uri="{FF2B5EF4-FFF2-40B4-BE49-F238E27FC236}">
+                  <a16:creationId xmlns:a16="http://schemas.microsoft.com/office/drawing/2014/main" id="{5644B219-8AE5-BD6B-6DEA-E5D91BE58794}"/>
+                </a:ext>
+              </a:extLst>
+            </p:cNvPr>
+            <p:cNvPicPr>
+              <a:picLocks noChangeAspect="1"/>
+            </p:cNvPicPr>
+            <p:nvPr/>
+          </p:nvPicPr>
+          <p:blipFill>
+            <a:blip r:embed="rId5"/>
+            <a:stretch>
+              <a:fillRect/>
+            </a:stretch>
+          </p:blipFill>
+          <p:spPr>
+            <a:xfrm>
+              <a:off x="6096000" y="823292"/>
+              <a:ext cx="229253" cy="246888"/>
+            </a:xfrm>
+            <a:prstGeom prst="rect">
+              <a:avLst/>
+            </a:prstGeom>
+          </p:spPr>
+        </p:pic>
+      </p:grpSp>
+    </p:spTree>
+    <p:extLst>
+      <p:ext uri="{BB962C8B-B14F-4D97-AF65-F5344CB8AC3E}">
+        <p14:creationId xmlns:p14="http://schemas.microsoft.com/office/powerpoint/2010/main" val="4181385714"/>
       </p:ext>
     </p:extLst>
   </p:cSld>

--- a/Graphs/Combined_graphs.pptx
+++ b/Graphs/Combined_graphs.pptx
@@ -7,6 +7,7 @@
   <p:sldIdLst>
     <p:sldId id="256" r:id="rId2"/>
     <p:sldId id="257" r:id="rId3"/>
+    <p:sldId id="258" r:id="rId4"/>
   </p:sldIdLst>
   <p:sldSz cx="12192000" cy="6858000"/>
   <p:notesSz cx="6858000" cy="9144000"/>
@@ -3805,6 +3806,94 @@
 </p:sld>
 </file>
 
+<file path=ppt/slides/slide3.xml><?xml version="1.0" encoding="utf-8"?>
+<p:sld xmlns:a="http://schemas.openxmlformats.org/drawingml/2006/main" xmlns:r="http://schemas.openxmlformats.org/officeDocument/2006/relationships" xmlns:p="http://schemas.openxmlformats.org/presentationml/2006/main">
+  <p:cSld>
+    <p:spTree>
+      <p:nvGrpSpPr>
+        <p:cNvPr id="1" name=""/>
+        <p:cNvGrpSpPr/>
+        <p:nvPr/>
+      </p:nvGrpSpPr>
+      <p:grpSpPr>
+        <a:xfrm>
+          <a:off x="0" y="0"/>
+          <a:ext cx="0" cy="0"/>
+          <a:chOff x="0" y="0"/>
+          <a:chExt cx="0" cy="0"/>
+        </a:xfrm>
+      </p:grpSpPr>
+      <p:pic>
+        <p:nvPicPr>
+          <p:cNvPr id="5" name="Content Placeholder 4" descr="A graph of a normalized mcc&#10;&#10;Description automatically generated">
+            <a:extLst>
+              <a:ext uri="{FF2B5EF4-FFF2-40B4-BE49-F238E27FC236}">
+                <a16:creationId xmlns:a16="http://schemas.microsoft.com/office/drawing/2014/main" id="{DAB4A13C-B306-6E7B-ECC7-A3CD97209397}"/>
+              </a:ext>
+            </a:extLst>
+          </p:cNvPr>
+          <p:cNvPicPr>
+            <a:picLocks noGrp="1" noChangeAspect="1"/>
+          </p:cNvPicPr>
+          <p:nvPr>
+            <p:ph idx="1"/>
+          </p:nvPr>
+        </p:nvPicPr>
+        <p:blipFill rotWithShape="1">
+          <a:blip r:embed="rId2"/>
+          <a:srcRect l="7971" r="8187"/>
+          <a:stretch/>
+        </p:blipFill>
+        <p:spPr>
+          <a:xfrm>
+            <a:off x="838200" y="186433"/>
+            <a:ext cx="8816439" cy="3402105"/>
+          </a:xfrm>
+        </p:spPr>
+      </p:pic>
+      <p:pic>
+        <p:nvPicPr>
+          <p:cNvPr id="6" name="Picture 5">
+            <a:extLst>
+              <a:ext uri="{FF2B5EF4-FFF2-40B4-BE49-F238E27FC236}">
+                <a16:creationId xmlns:a16="http://schemas.microsoft.com/office/drawing/2014/main" id="{0F6882DA-C79A-7C68-2EF4-1483885AB767}"/>
+              </a:ext>
+            </a:extLst>
+          </p:cNvPr>
+          <p:cNvPicPr>
+            <a:picLocks noChangeAspect="1"/>
+          </p:cNvPicPr>
+          <p:nvPr/>
+        </p:nvPicPr>
+        <p:blipFill>
+          <a:blip r:embed="rId3"/>
+          <a:stretch>
+            <a:fillRect/>
+          </a:stretch>
+        </p:blipFill>
+        <p:spPr>
+          <a:xfrm>
+            <a:off x="3524332" y="3588538"/>
+            <a:ext cx="3860800" cy="495300"/>
+          </a:xfrm>
+          <a:prstGeom prst="rect">
+            <a:avLst/>
+          </a:prstGeom>
+        </p:spPr>
+      </p:pic>
+    </p:spTree>
+    <p:extLst>
+      <p:ext uri="{BB962C8B-B14F-4D97-AF65-F5344CB8AC3E}">
+        <p14:creationId xmlns:p14="http://schemas.microsoft.com/office/powerpoint/2010/main" val="3850670044"/>
+      </p:ext>
+    </p:extLst>
+  </p:cSld>
+  <p:clrMapOvr>
+    <a:masterClrMapping/>
+  </p:clrMapOvr>
+</p:sld>
+</file>
+
 <file path=ppt/theme/theme1.xml><?xml version="1.0" encoding="utf-8"?>
 <a:theme xmlns:a="http://schemas.openxmlformats.org/drawingml/2006/main" name="Office Theme">
   <a:themeElements>

--- a/Graphs/Combined_graphs.pptx
+++ b/Graphs/Combined_graphs.pptx
@@ -4,10 +4,15 @@
   <p:sldMasterIdLst>
     <p:sldMasterId id="2147483648" r:id="rId1"/>
   </p:sldMasterIdLst>
+  <p:notesMasterIdLst>
+    <p:notesMasterId r:id="rId7"/>
+  </p:notesMasterIdLst>
   <p:sldIdLst>
     <p:sldId id="256" r:id="rId2"/>
     <p:sldId id="257" r:id="rId3"/>
     <p:sldId id="258" r:id="rId4"/>
+    <p:sldId id="259" r:id="rId5"/>
+    <p:sldId id="260" r:id="rId6"/>
   </p:sldIdLst>
   <p:sldSz cx="12192000" cy="6858000"/>
   <p:notesSz cx="6858000" cy="9144000"/>
@@ -112,6 +117,439 @@
     </p:ext>
   </p:extLst>
 </p:presentation>
+</file>
+
+<file path=ppt/notesMasters/notesMaster1.xml><?xml version="1.0" encoding="utf-8"?>
+<p:notesMaster xmlns:a="http://schemas.openxmlformats.org/drawingml/2006/main" xmlns:r="http://schemas.openxmlformats.org/officeDocument/2006/relationships" xmlns:p="http://schemas.openxmlformats.org/presentationml/2006/main">
+  <p:cSld>
+    <p:bg>
+      <p:bgRef idx="1001">
+        <a:schemeClr val="bg1"/>
+      </p:bgRef>
+    </p:bg>
+    <p:spTree>
+      <p:nvGrpSpPr>
+        <p:cNvPr id="1" name=""/>
+        <p:cNvGrpSpPr/>
+        <p:nvPr/>
+      </p:nvGrpSpPr>
+      <p:grpSpPr>
+        <a:xfrm>
+          <a:off x="0" y="0"/>
+          <a:ext cx="0" cy="0"/>
+          <a:chOff x="0" y="0"/>
+          <a:chExt cx="0" cy="0"/>
+        </a:xfrm>
+      </p:grpSpPr>
+      <p:sp>
+        <p:nvSpPr>
+          <p:cNvPr id="2" name="Header Placeholder 1"/>
+          <p:cNvSpPr>
+            <a:spLocks noGrp="1"/>
+          </p:cNvSpPr>
+          <p:nvPr>
+            <p:ph type="hdr" sz="quarter"/>
+          </p:nvPr>
+        </p:nvSpPr>
+        <p:spPr>
+          <a:xfrm>
+            <a:off x="0" y="0"/>
+            <a:ext cx="2971800" cy="458788"/>
+          </a:xfrm>
+          <a:prstGeom prst="rect">
+            <a:avLst/>
+          </a:prstGeom>
+        </p:spPr>
+        <p:txBody>
+          <a:bodyPr vert="horz" lIns="91440" tIns="45720" rIns="91440" bIns="45720" rtlCol="0"/>
+          <a:lstStyle>
+            <a:lvl1pPr algn="l">
+              <a:defRPr sz="1200"/>
+            </a:lvl1pPr>
+          </a:lstStyle>
+          <a:p>
+            <a:endParaRPr lang="en-US"/>
+          </a:p>
+        </p:txBody>
+      </p:sp>
+      <p:sp>
+        <p:nvSpPr>
+          <p:cNvPr id="3" name="Date Placeholder 2"/>
+          <p:cNvSpPr>
+            <a:spLocks noGrp="1"/>
+          </p:cNvSpPr>
+          <p:nvPr>
+            <p:ph type="dt" idx="1"/>
+          </p:nvPr>
+        </p:nvSpPr>
+        <p:spPr>
+          <a:xfrm>
+            <a:off x="3884613" y="0"/>
+            <a:ext cx="2971800" cy="458788"/>
+          </a:xfrm>
+          <a:prstGeom prst="rect">
+            <a:avLst/>
+          </a:prstGeom>
+        </p:spPr>
+        <p:txBody>
+          <a:bodyPr vert="horz" lIns="91440" tIns="45720" rIns="91440" bIns="45720" rtlCol="0"/>
+          <a:lstStyle>
+            <a:lvl1pPr algn="r">
+              <a:defRPr sz="1200"/>
+            </a:lvl1pPr>
+          </a:lstStyle>
+          <a:p>
+            <a:fld id="{9442208E-7104-FB4B-B94B-F0E00CF730CE}" type="datetimeFigureOut">
+              <a:rPr lang="en-US" smtClean="0"/>
+              <a:t>11/8/23</a:t>
+            </a:fld>
+            <a:endParaRPr lang="en-US"/>
+          </a:p>
+        </p:txBody>
+      </p:sp>
+      <p:sp>
+        <p:nvSpPr>
+          <p:cNvPr id="4" name="Slide Image Placeholder 3"/>
+          <p:cNvSpPr>
+            <a:spLocks noGrp="1" noRot="1" noChangeAspect="1"/>
+          </p:cNvSpPr>
+          <p:nvPr>
+            <p:ph type="sldImg" idx="2"/>
+          </p:nvPr>
+        </p:nvSpPr>
+        <p:spPr>
+          <a:xfrm>
+            <a:off x="685800" y="1143000"/>
+            <a:ext cx="5486400" cy="3086100"/>
+          </a:xfrm>
+          <a:prstGeom prst="rect">
+            <a:avLst/>
+          </a:prstGeom>
+          <a:noFill/>
+          <a:ln w="12700">
+            <a:solidFill>
+              <a:prstClr val="black"/>
+            </a:solidFill>
+          </a:ln>
+        </p:spPr>
+        <p:txBody>
+          <a:bodyPr vert="horz" lIns="91440" tIns="45720" rIns="91440" bIns="45720" rtlCol="0" anchor="ctr"/>
+          <a:lstStyle/>
+          <a:p>
+            <a:endParaRPr lang="en-US"/>
+          </a:p>
+        </p:txBody>
+      </p:sp>
+      <p:sp>
+        <p:nvSpPr>
+          <p:cNvPr id="5" name="Notes Placeholder 4"/>
+          <p:cNvSpPr>
+            <a:spLocks noGrp="1"/>
+          </p:cNvSpPr>
+          <p:nvPr>
+            <p:ph type="body" sz="quarter" idx="3"/>
+          </p:nvPr>
+        </p:nvSpPr>
+        <p:spPr>
+          <a:xfrm>
+            <a:off x="685800" y="4400550"/>
+            <a:ext cx="5486400" cy="3600450"/>
+          </a:xfrm>
+          <a:prstGeom prst="rect">
+            <a:avLst/>
+          </a:prstGeom>
+        </p:spPr>
+        <p:txBody>
+          <a:bodyPr vert="horz" lIns="91440" tIns="45720" rIns="91440" bIns="45720" rtlCol="0"/>
+          <a:lstStyle/>
+          <a:p>
+            <a:pPr lvl="0"/>
+            <a:r>
+              <a:rPr lang="en-US"/>
+              <a:t>Click to edit Master text styles</a:t>
+            </a:r>
+          </a:p>
+          <a:p>
+            <a:pPr lvl="1"/>
+            <a:r>
+              <a:rPr lang="en-US"/>
+              <a:t>Second level</a:t>
+            </a:r>
+          </a:p>
+          <a:p>
+            <a:pPr lvl="2"/>
+            <a:r>
+              <a:rPr lang="en-US"/>
+              <a:t>Third level</a:t>
+            </a:r>
+          </a:p>
+          <a:p>
+            <a:pPr lvl="3"/>
+            <a:r>
+              <a:rPr lang="en-US"/>
+              <a:t>Fourth level</a:t>
+            </a:r>
+          </a:p>
+          <a:p>
+            <a:pPr lvl="4"/>
+            <a:r>
+              <a:rPr lang="en-US"/>
+              <a:t>Fifth level</a:t>
+            </a:r>
+          </a:p>
+        </p:txBody>
+      </p:sp>
+      <p:sp>
+        <p:nvSpPr>
+          <p:cNvPr id="6" name="Footer Placeholder 5"/>
+          <p:cNvSpPr>
+            <a:spLocks noGrp="1"/>
+          </p:cNvSpPr>
+          <p:nvPr>
+            <p:ph type="ftr" sz="quarter" idx="4"/>
+          </p:nvPr>
+        </p:nvSpPr>
+        <p:spPr>
+          <a:xfrm>
+            <a:off x="0" y="8685213"/>
+            <a:ext cx="2971800" cy="458787"/>
+          </a:xfrm>
+          <a:prstGeom prst="rect">
+            <a:avLst/>
+          </a:prstGeom>
+        </p:spPr>
+        <p:txBody>
+          <a:bodyPr vert="horz" lIns="91440" tIns="45720" rIns="91440" bIns="45720" rtlCol="0" anchor="b"/>
+          <a:lstStyle>
+            <a:lvl1pPr algn="l">
+              <a:defRPr sz="1200"/>
+            </a:lvl1pPr>
+          </a:lstStyle>
+          <a:p>
+            <a:endParaRPr lang="en-US"/>
+          </a:p>
+        </p:txBody>
+      </p:sp>
+      <p:sp>
+        <p:nvSpPr>
+          <p:cNvPr id="7" name="Slide Number Placeholder 6"/>
+          <p:cNvSpPr>
+            <a:spLocks noGrp="1"/>
+          </p:cNvSpPr>
+          <p:nvPr>
+            <p:ph type="sldNum" sz="quarter" idx="5"/>
+          </p:nvPr>
+        </p:nvSpPr>
+        <p:spPr>
+          <a:xfrm>
+            <a:off x="3884613" y="8685213"/>
+            <a:ext cx="2971800" cy="458787"/>
+          </a:xfrm>
+          <a:prstGeom prst="rect">
+            <a:avLst/>
+          </a:prstGeom>
+        </p:spPr>
+        <p:txBody>
+          <a:bodyPr vert="horz" lIns="91440" tIns="45720" rIns="91440" bIns="45720" rtlCol="0" anchor="b"/>
+          <a:lstStyle>
+            <a:lvl1pPr algn="r">
+              <a:defRPr sz="1200"/>
+            </a:lvl1pPr>
+          </a:lstStyle>
+          <a:p>
+            <a:fld id="{CB797A4D-4A54-014D-A969-C0497745592B}" type="slidenum">
+              <a:rPr lang="en-US" smtClean="0"/>
+              <a:t>‹#›</a:t>
+            </a:fld>
+            <a:endParaRPr lang="en-US"/>
+          </a:p>
+        </p:txBody>
+      </p:sp>
+    </p:spTree>
+    <p:extLst>
+      <p:ext uri="{BB962C8B-B14F-4D97-AF65-F5344CB8AC3E}">
+        <p14:creationId xmlns:p14="http://schemas.microsoft.com/office/powerpoint/2010/main" val="3501721582"/>
+      </p:ext>
+    </p:extLst>
+  </p:cSld>
+  <p:clrMap bg1="lt1" tx1="dk1" bg2="lt2" tx2="dk2" accent1="accent1" accent2="accent2" accent3="accent3" accent4="accent4" accent5="accent5" accent6="accent6" hlink="hlink" folHlink="folHlink"/>
+  <p:notesStyle>
+    <a:lvl1pPr marL="0" algn="l" defTabSz="914400" rtl="0" eaLnBrk="1" latinLnBrk="0" hangingPunct="1">
+      <a:defRPr sz="1200" kern="1200">
+        <a:solidFill>
+          <a:schemeClr val="tx1"/>
+        </a:solidFill>
+        <a:latin typeface="+mn-lt"/>
+        <a:ea typeface="+mn-ea"/>
+        <a:cs typeface="+mn-cs"/>
+      </a:defRPr>
+    </a:lvl1pPr>
+    <a:lvl2pPr marL="457200" algn="l" defTabSz="914400" rtl="0" eaLnBrk="1" latinLnBrk="0" hangingPunct="1">
+      <a:defRPr sz="1200" kern="1200">
+        <a:solidFill>
+          <a:schemeClr val="tx1"/>
+        </a:solidFill>
+        <a:latin typeface="+mn-lt"/>
+        <a:ea typeface="+mn-ea"/>
+        <a:cs typeface="+mn-cs"/>
+      </a:defRPr>
+    </a:lvl2pPr>
+    <a:lvl3pPr marL="914400" algn="l" defTabSz="914400" rtl="0" eaLnBrk="1" latinLnBrk="0" hangingPunct="1">
+      <a:defRPr sz="1200" kern="1200">
+        <a:solidFill>
+          <a:schemeClr val="tx1"/>
+        </a:solidFill>
+        <a:latin typeface="+mn-lt"/>
+        <a:ea typeface="+mn-ea"/>
+        <a:cs typeface="+mn-cs"/>
+      </a:defRPr>
+    </a:lvl3pPr>
+    <a:lvl4pPr marL="1371600" algn="l" defTabSz="914400" rtl="0" eaLnBrk="1" latinLnBrk="0" hangingPunct="1">
+      <a:defRPr sz="1200" kern="1200">
+        <a:solidFill>
+          <a:schemeClr val="tx1"/>
+        </a:solidFill>
+        <a:latin typeface="+mn-lt"/>
+        <a:ea typeface="+mn-ea"/>
+        <a:cs typeface="+mn-cs"/>
+      </a:defRPr>
+    </a:lvl4pPr>
+    <a:lvl5pPr marL="1828800" algn="l" defTabSz="914400" rtl="0" eaLnBrk="1" latinLnBrk="0" hangingPunct="1">
+      <a:defRPr sz="1200" kern="1200">
+        <a:solidFill>
+          <a:schemeClr val="tx1"/>
+        </a:solidFill>
+        <a:latin typeface="+mn-lt"/>
+        <a:ea typeface="+mn-ea"/>
+        <a:cs typeface="+mn-cs"/>
+      </a:defRPr>
+    </a:lvl5pPr>
+    <a:lvl6pPr marL="2286000" algn="l" defTabSz="914400" rtl="0" eaLnBrk="1" latinLnBrk="0" hangingPunct="1">
+      <a:defRPr sz="1200" kern="1200">
+        <a:solidFill>
+          <a:schemeClr val="tx1"/>
+        </a:solidFill>
+        <a:latin typeface="+mn-lt"/>
+        <a:ea typeface="+mn-ea"/>
+        <a:cs typeface="+mn-cs"/>
+      </a:defRPr>
+    </a:lvl6pPr>
+    <a:lvl7pPr marL="2743200" algn="l" defTabSz="914400" rtl="0" eaLnBrk="1" latinLnBrk="0" hangingPunct="1">
+      <a:defRPr sz="1200" kern="1200">
+        <a:solidFill>
+          <a:schemeClr val="tx1"/>
+        </a:solidFill>
+        <a:latin typeface="+mn-lt"/>
+        <a:ea typeface="+mn-ea"/>
+        <a:cs typeface="+mn-cs"/>
+      </a:defRPr>
+    </a:lvl7pPr>
+    <a:lvl8pPr marL="3200400" algn="l" defTabSz="914400" rtl="0" eaLnBrk="1" latinLnBrk="0" hangingPunct="1">
+      <a:defRPr sz="1200" kern="1200">
+        <a:solidFill>
+          <a:schemeClr val="tx1"/>
+        </a:solidFill>
+        <a:latin typeface="+mn-lt"/>
+        <a:ea typeface="+mn-ea"/>
+        <a:cs typeface="+mn-cs"/>
+      </a:defRPr>
+    </a:lvl8pPr>
+    <a:lvl9pPr marL="3657600" algn="l" defTabSz="914400" rtl="0" eaLnBrk="1" latinLnBrk="0" hangingPunct="1">
+      <a:defRPr sz="1200" kern="1200">
+        <a:solidFill>
+          <a:schemeClr val="tx1"/>
+        </a:solidFill>
+        <a:latin typeface="+mn-lt"/>
+        <a:ea typeface="+mn-ea"/>
+        <a:cs typeface="+mn-cs"/>
+      </a:defRPr>
+    </a:lvl9pPr>
+  </p:notesStyle>
+</p:notesMaster>
+</file>
+
+<file path=ppt/notesSlides/notesSlide1.xml><?xml version="1.0" encoding="utf-8"?>
+<p:notes xmlns:a="http://schemas.openxmlformats.org/drawingml/2006/main" xmlns:r="http://schemas.openxmlformats.org/officeDocument/2006/relationships" xmlns:p="http://schemas.openxmlformats.org/presentationml/2006/main">
+  <p:cSld>
+    <p:spTree>
+      <p:nvGrpSpPr>
+        <p:cNvPr id="1" name=""/>
+        <p:cNvGrpSpPr/>
+        <p:nvPr/>
+      </p:nvGrpSpPr>
+      <p:grpSpPr>
+        <a:xfrm>
+          <a:off x="0" y="0"/>
+          <a:ext cx="0" cy="0"/>
+          <a:chOff x="0" y="0"/>
+          <a:chExt cx="0" cy="0"/>
+        </a:xfrm>
+      </p:grpSpPr>
+      <p:sp>
+        <p:nvSpPr>
+          <p:cNvPr id="2" name="Slide Image Placeholder 1"/>
+          <p:cNvSpPr>
+            <a:spLocks noGrp="1" noRot="1" noChangeAspect="1"/>
+          </p:cNvSpPr>
+          <p:nvPr>
+            <p:ph type="sldImg"/>
+          </p:nvPr>
+        </p:nvSpPr>
+        <p:spPr/>
+      </p:sp>
+      <p:sp>
+        <p:nvSpPr>
+          <p:cNvPr id="3" name="Notes Placeholder 2"/>
+          <p:cNvSpPr>
+            <a:spLocks noGrp="1"/>
+          </p:cNvSpPr>
+          <p:nvPr>
+            <p:ph type="body" idx="1"/>
+          </p:nvPr>
+        </p:nvSpPr>
+        <p:spPr/>
+        <p:txBody>
+          <a:bodyPr/>
+          <a:lstStyle/>
+          <a:p>
+            <a:endParaRPr lang="en-US"/>
+          </a:p>
+        </p:txBody>
+      </p:sp>
+      <p:sp>
+        <p:nvSpPr>
+          <p:cNvPr id="4" name="Slide Number Placeholder 3"/>
+          <p:cNvSpPr>
+            <a:spLocks noGrp="1"/>
+          </p:cNvSpPr>
+          <p:nvPr>
+            <p:ph type="sldNum" sz="quarter" idx="5"/>
+          </p:nvPr>
+        </p:nvSpPr>
+        <p:spPr/>
+        <p:txBody>
+          <a:bodyPr/>
+          <a:lstStyle/>
+          <a:p>
+            <a:fld id="{CB797A4D-4A54-014D-A969-C0497745592B}" type="slidenum">
+              <a:rPr lang="en-US" smtClean="0"/>
+              <a:t>5</a:t>
+            </a:fld>
+            <a:endParaRPr lang="en-US"/>
+          </a:p>
+        </p:txBody>
+      </p:sp>
+    </p:spTree>
+    <p:extLst>
+      <p:ext uri="{BB962C8B-B14F-4D97-AF65-F5344CB8AC3E}">
+        <p14:creationId xmlns:p14="http://schemas.microsoft.com/office/powerpoint/2010/main" val="3234756375"/>
+      </p:ext>
+    </p:extLst>
+  </p:cSld>
+  <p:clrMapOvr>
+    <a:masterClrMapping/>
+  </p:clrMapOvr>
+</p:notes>
 </file>
 
 <file path=ppt/slideLayouts/slideLayout1.xml><?xml version="1.0" encoding="utf-8"?>
@@ -3894,6 +4332,176 @@
 </p:sld>
 </file>
 
+<file path=ppt/slides/slide4.xml><?xml version="1.0" encoding="utf-8"?>
+<p:sld xmlns:a="http://schemas.openxmlformats.org/drawingml/2006/main" xmlns:r="http://schemas.openxmlformats.org/officeDocument/2006/relationships" xmlns:p="http://schemas.openxmlformats.org/presentationml/2006/main">
+  <p:cSld>
+    <p:spTree>
+      <p:nvGrpSpPr>
+        <p:cNvPr id="1" name=""/>
+        <p:cNvGrpSpPr/>
+        <p:nvPr/>
+      </p:nvGrpSpPr>
+      <p:grpSpPr>
+        <a:xfrm>
+          <a:off x="0" y="0"/>
+          <a:ext cx="0" cy="0"/>
+          <a:chOff x="0" y="0"/>
+          <a:chExt cx="0" cy="0"/>
+        </a:xfrm>
+      </p:grpSpPr>
+      <p:sp>
+        <p:nvSpPr>
+          <p:cNvPr id="2" name="Title 1">
+            <a:extLst>
+              <a:ext uri="{FF2B5EF4-FFF2-40B4-BE49-F238E27FC236}">
+                <a16:creationId xmlns:a16="http://schemas.microsoft.com/office/drawing/2014/main" id="{84BFC09F-AB51-7DC2-F6D3-DDFCEBBE07A2}"/>
+              </a:ext>
+            </a:extLst>
+          </p:cNvPr>
+          <p:cNvSpPr>
+            <a:spLocks noGrp="1"/>
+          </p:cNvSpPr>
+          <p:nvPr>
+            <p:ph type="title"/>
+          </p:nvPr>
+        </p:nvSpPr>
+        <p:spPr/>
+        <p:txBody>
+          <a:bodyPr/>
+          <a:lstStyle/>
+          <a:p>
+            <a:endParaRPr lang="en-US"/>
+          </a:p>
+        </p:txBody>
+      </p:sp>
+      <p:sp>
+        <p:nvSpPr>
+          <p:cNvPr id="3" name="Content Placeholder 2">
+            <a:extLst>
+              <a:ext uri="{FF2B5EF4-FFF2-40B4-BE49-F238E27FC236}">
+                <a16:creationId xmlns:a16="http://schemas.microsoft.com/office/drawing/2014/main" id="{3C7C64BC-629B-FF96-4363-87A217AB8ACB}"/>
+              </a:ext>
+            </a:extLst>
+          </p:cNvPr>
+          <p:cNvSpPr>
+            <a:spLocks noGrp="1"/>
+          </p:cNvSpPr>
+          <p:nvPr>
+            <p:ph idx="1"/>
+          </p:nvPr>
+        </p:nvSpPr>
+        <p:spPr/>
+        <p:txBody>
+          <a:bodyPr/>
+          <a:lstStyle/>
+          <a:p>
+            <a:endParaRPr lang="en-US"/>
+          </a:p>
+        </p:txBody>
+      </p:sp>
+      <p:pic>
+        <p:nvPicPr>
+          <p:cNvPr id="4" name="Picture 3">
+            <a:extLst>
+              <a:ext uri="{FF2B5EF4-FFF2-40B4-BE49-F238E27FC236}">
+                <a16:creationId xmlns:a16="http://schemas.microsoft.com/office/drawing/2014/main" id="{55DA9D20-BB51-B66D-EC87-7B739A8E3AA8}"/>
+              </a:ext>
+            </a:extLst>
+          </p:cNvPr>
+          <p:cNvPicPr>
+            <a:picLocks noChangeAspect="1"/>
+          </p:cNvPicPr>
+          <p:nvPr/>
+        </p:nvPicPr>
+        <p:blipFill>
+          <a:blip r:embed="rId2"/>
+          <a:stretch>
+            <a:fillRect/>
+          </a:stretch>
+        </p:blipFill>
+        <p:spPr>
+          <a:xfrm>
+            <a:off x="1164771" y="1337429"/>
+            <a:ext cx="7772400" cy="3304367"/>
+          </a:xfrm>
+          <a:prstGeom prst="rect">
+            <a:avLst/>
+          </a:prstGeom>
+        </p:spPr>
+      </p:pic>
+    </p:spTree>
+    <p:extLst>
+      <p:ext uri="{BB962C8B-B14F-4D97-AF65-F5344CB8AC3E}">
+        <p14:creationId xmlns:p14="http://schemas.microsoft.com/office/powerpoint/2010/main" val="1731159205"/>
+      </p:ext>
+    </p:extLst>
+  </p:cSld>
+  <p:clrMapOvr>
+    <a:masterClrMapping/>
+  </p:clrMapOvr>
+</p:sld>
+</file>
+
+<file path=ppt/slides/slide5.xml><?xml version="1.0" encoding="utf-8"?>
+<p:sld xmlns:a="http://schemas.openxmlformats.org/drawingml/2006/main" xmlns:r="http://schemas.openxmlformats.org/officeDocument/2006/relationships" xmlns:p="http://schemas.openxmlformats.org/presentationml/2006/main">
+  <p:cSld>
+    <p:spTree>
+      <p:nvGrpSpPr>
+        <p:cNvPr id="1" name=""/>
+        <p:cNvGrpSpPr/>
+        <p:nvPr/>
+      </p:nvGrpSpPr>
+      <p:grpSpPr>
+        <a:xfrm>
+          <a:off x="0" y="0"/>
+          <a:ext cx="0" cy="0"/>
+          <a:chOff x="0" y="0"/>
+          <a:chExt cx="0" cy="0"/>
+        </a:xfrm>
+      </p:grpSpPr>
+      <p:pic>
+        <p:nvPicPr>
+          <p:cNvPr id="4" name="Picture 3">
+            <a:extLst>
+              <a:ext uri="{FF2B5EF4-FFF2-40B4-BE49-F238E27FC236}">
+                <a16:creationId xmlns:a16="http://schemas.microsoft.com/office/drawing/2014/main" id="{E0558F84-5B55-A80D-B626-15801E8EB012}"/>
+              </a:ext>
+            </a:extLst>
+          </p:cNvPr>
+          <p:cNvPicPr>
+            <a:picLocks noChangeAspect="1"/>
+          </p:cNvPicPr>
+          <p:nvPr/>
+        </p:nvPicPr>
+        <p:blipFill>
+          <a:blip r:embed="rId3"/>
+          <a:stretch>
+            <a:fillRect/>
+          </a:stretch>
+        </p:blipFill>
+        <p:spPr>
+          <a:xfrm>
+            <a:off x="1676400" y="1581150"/>
+            <a:ext cx="7772400" cy="3249667"/>
+          </a:xfrm>
+          <a:prstGeom prst="rect">
+            <a:avLst/>
+          </a:prstGeom>
+        </p:spPr>
+      </p:pic>
+    </p:spTree>
+    <p:extLst>
+      <p:ext uri="{BB962C8B-B14F-4D97-AF65-F5344CB8AC3E}">
+        <p14:creationId xmlns:p14="http://schemas.microsoft.com/office/powerpoint/2010/main" val="610230132"/>
+      </p:ext>
+    </p:extLst>
+  </p:cSld>
+  <p:clrMapOvr>
+    <a:masterClrMapping/>
+  </p:clrMapOvr>
+</p:sld>
+</file>
+
 <file path=ppt/theme/theme1.xml><?xml version="1.0" encoding="utf-8"?>
 <a:theme xmlns:a="http://schemas.openxmlformats.org/drawingml/2006/main" name="Office Theme">
   <a:themeElements>
@@ -4187,4 +4795,299 @@
     </a:ext>
   </a:extLst>
 </a:theme>
+</file>
+
+<file path=ppt/theme/theme2.xml><?xml version="1.0" encoding="utf-8"?>
+<a:theme xmlns:a="http://schemas.openxmlformats.org/drawingml/2006/main" name="Office Theme">
+  <a:themeElements>
+    <a:clrScheme name="Office">
+      <a:dk1>
+        <a:sysClr val="windowText" lastClr="000000"/>
+      </a:dk1>
+      <a:lt1>
+        <a:sysClr val="window" lastClr="FFFFFF"/>
+      </a:lt1>
+      <a:dk2>
+        <a:srgbClr val="44546A"/>
+      </a:dk2>
+      <a:lt2>
+        <a:srgbClr val="E7E6E6"/>
+      </a:lt2>
+      <a:accent1>
+        <a:srgbClr val="4472C4"/>
+      </a:accent1>
+      <a:accent2>
+        <a:srgbClr val="ED7D31"/>
+      </a:accent2>
+      <a:accent3>
+        <a:srgbClr val="A5A5A5"/>
+      </a:accent3>
+      <a:accent4>
+        <a:srgbClr val="FFC000"/>
+      </a:accent4>
+      <a:accent5>
+        <a:srgbClr val="5B9BD5"/>
+      </a:accent5>
+      <a:accent6>
+        <a:srgbClr val="70AD47"/>
+      </a:accent6>
+      <a:hlink>
+        <a:srgbClr val="0563C1"/>
+      </a:hlink>
+      <a:folHlink>
+        <a:srgbClr val="954F72"/>
+      </a:folHlink>
+    </a:clrScheme>
+    <a:fontScheme name="Office">
+      <a:majorFont>
+        <a:latin typeface="Calibri Light" panose="020F0302020204030204"/>
+        <a:ea typeface=""/>
+        <a:cs typeface=""/>
+        <a:font script="Jpan" typeface="游ゴシック Light"/>
+        <a:font script="Hang" typeface="맑은 고딕"/>
+        <a:font script="Hans" typeface="等线 Light"/>
+        <a:font script="Hant" typeface="新細明體"/>
+        <a:font script="Arab" typeface="Times New Roman"/>
+        <a:font script="Hebr" typeface="Times New Roman"/>
+        <a:font script="Thai" typeface="Angsana New"/>
+        <a:font script="Ethi" typeface="Nyala"/>
+        <a:font script="Beng" typeface="Vrinda"/>
+        <a:font script="Gujr" typeface="Shruti"/>
+        <a:font script="Khmr" typeface="MoolBoran"/>
+        <a:font script="Knda" typeface="Tunga"/>
+        <a:font script="Guru" typeface="Raavi"/>
+        <a:font script="Cans" typeface="Euphemia"/>
+        <a:font script="Cher" typeface="Plantagenet Cherokee"/>
+        <a:font script="Yiii" typeface="Microsoft Yi Baiti"/>
+        <a:font script="Tibt" typeface="Microsoft Himalaya"/>
+        <a:font script="Thaa" typeface="MV Boli"/>
+        <a:font script="Deva" typeface="Mangal"/>
+        <a:font script="Telu" typeface="Gautami"/>
+        <a:font script="Taml" typeface="Latha"/>
+        <a:font script="Syrc" typeface="Estrangelo Edessa"/>
+        <a:font script="Orya" typeface="Kalinga"/>
+        <a:font script="Mlym" typeface="Kartika"/>
+        <a:font script="Laoo" typeface="DokChampa"/>
+        <a:font script="Sinh" typeface="Iskoola Pota"/>
+        <a:font script="Mong" typeface="Mongolian Baiti"/>
+        <a:font script="Viet" typeface="Times New Roman"/>
+        <a:font script="Uigh" typeface="Microsoft Uighur"/>
+        <a:font script="Geor" typeface="Sylfaen"/>
+        <a:font script="Armn" typeface="Arial"/>
+        <a:font script="Bugi" typeface="Leelawadee UI"/>
+        <a:font script="Bopo" typeface="Microsoft JhengHei"/>
+        <a:font script="Java" typeface="Javanese Text"/>
+        <a:font script="Lisu" typeface="Segoe UI"/>
+        <a:font script="Mymr" typeface="Myanmar Text"/>
+        <a:font script="Nkoo" typeface="Ebrima"/>
+        <a:font script="Olck" typeface="Nirmala UI"/>
+        <a:font script="Osma" typeface="Ebrima"/>
+        <a:font script="Phag" typeface="Phagspa"/>
+        <a:font script="Syrn" typeface="Estrangelo Edessa"/>
+        <a:font script="Syrj" typeface="Estrangelo Edessa"/>
+        <a:font script="Syre" typeface="Estrangelo Edessa"/>
+        <a:font script="Sora" typeface="Nirmala UI"/>
+        <a:font script="Tale" typeface="Microsoft Tai Le"/>
+        <a:font script="Talu" typeface="Microsoft New Tai Lue"/>
+        <a:font script="Tfng" typeface="Ebrima"/>
+      </a:majorFont>
+      <a:minorFont>
+        <a:latin typeface="Calibri" panose="020F0502020204030204"/>
+        <a:ea typeface=""/>
+        <a:cs typeface=""/>
+        <a:font script="Jpan" typeface="游ゴシック"/>
+        <a:font script="Hang" typeface="맑은 고딕"/>
+        <a:font script="Hans" typeface="等线"/>
+        <a:font script="Hant" typeface="新細明體"/>
+        <a:font script="Arab" typeface="Arial"/>
+        <a:font script="Hebr" typeface="Arial"/>
+        <a:font script="Thai" typeface="Cordia New"/>
+        <a:font script="Ethi" typeface="Nyala"/>
+        <a:font script="Beng" typeface="Vrinda"/>
+        <a:font script="Gujr" typeface="Shruti"/>
+        <a:font script="Khmr" typeface="DaunPenh"/>
+        <a:font script="Knda" typeface="Tunga"/>
+        <a:font script="Guru" typeface="Raavi"/>
+        <a:font script="Cans" typeface="Euphemia"/>
+        <a:font script="Cher" typeface="Plantagenet Cherokee"/>
+        <a:font script="Yiii" typeface="Microsoft Yi Baiti"/>
+        <a:font script="Tibt" typeface="Microsoft Himalaya"/>
+        <a:font script="Thaa" typeface="MV Boli"/>
+        <a:font script="Deva" typeface="Mangal"/>
+        <a:font script="Telu" typeface="Gautami"/>
+        <a:font script="Taml" typeface="Latha"/>
+        <a:font script="Syrc" typeface="Estrangelo Edessa"/>
+        <a:font script="Orya" typeface="Kalinga"/>
+        <a:font script="Mlym" typeface="Kartika"/>
+        <a:font script="Laoo" typeface="DokChampa"/>
+        <a:font script="Sinh" typeface="Iskoola Pota"/>
+        <a:font script="Mong" typeface="Mongolian Baiti"/>
+        <a:font script="Viet" typeface="Arial"/>
+        <a:font script="Uigh" typeface="Microsoft Uighur"/>
+        <a:font script="Geor" typeface="Sylfaen"/>
+        <a:font script="Armn" typeface="Arial"/>
+        <a:font script="Bugi" typeface="Leelawadee UI"/>
+        <a:font script="Bopo" typeface="Microsoft JhengHei"/>
+        <a:font script="Java" typeface="Javanese Text"/>
+        <a:font script="Lisu" typeface="Segoe UI"/>
+        <a:font script="Mymr" typeface="Myanmar Text"/>
+        <a:font script="Nkoo" typeface="Ebrima"/>
+        <a:font script="Olck" typeface="Nirmala UI"/>
+        <a:font script="Osma" typeface="Ebrima"/>
+        <a:font script="Phag" typeface="Phagspa"/>
+        <a:font script="Syrn" typeface="Estrangelo Edessa"/>
+        <a:font script="Syrj" typeface="Estrangelo Edessa"/>
+        <a:font script="Syre" typeface="Estrangelo Edessa"/>
+        <a:font script="Sora" typeface="Nirmala UI"/>
+        <a:font script="Tale" typeface="Microsoft Tai Le"/>
+        <a:font script="Talu" typeface="Microsoft New Tai Lue"/>
+        <a:font script="Tfng" typeface="Ebrima"/>
+      </a:minorFont>
+    </a:fontScheme>
+    <a:fmtScheme name="Office">
+      <a:fillStyleLst>
+        <a:solidFill>
+          <a:schemeClr val="phClr"/>
+        </a:solidFill>
+        <a:gradFill rotWithShape="1">
+          <a:gsLst>
+            <a:gs pos="0">
+              <a:schemeClr val="phClr">
+                <a:lumMod val="110000"/>
+                <a:satMod val="105000"/>
+                <a:tint val="67000"/>
+              </a:schemeClr>
+            </a:gs>
+            <a:gs pos="50000">
+              <a:schemeClr val="phClr">
+                <a:lumMod val="105000"/>
+                <a:satMod val="103000"/>
+                <a:tint val="73000"/>
+              </a:schemeClr>
+            </a:gs>
+            <a:gs pos="100000">
+              <a:schemeClr val="phClr">
+                <a:lumMod val="105000"/>
+                <a:satMod val="109000"/>
+                <a:tint val="81000"/>
+              </a:schemeClr>
+            </a:gs>
+          </a:gsLst>
+          <a:lin ang="5400000" scaled="0"/>
+        </a:gradFill>
+        <a:gradFill rotWithShape="1">
+          <a:gsLst>
+            <a:gs pos="0">
+              <a:schemeClr val="phClr">
+                <a:satMod val="103000"/>
+                <a:lumMod val="102000"/>
+                <a:tint val="94000"/>
+              </a:schemeClr>
+            </a:gs>
+            <a:gs pos="50000">
+              <a:schemeClr val="phClr">
+                <a:satMod val="110000"/>
+                <a:lumMod val="100000"/>
+                <a:shade val="100000"/>
+              </a:schemeClr>
+            </a:gs>
+            <a:gs pos="100000">
+              <a:schemeClr val="phClr">
+                <a:lumMod val="99000"/>
+                <a:satMod val="120000"/>
+                <a:shade val="78000"/>
+              </a:schemeClr>
+            </a:gs>
+          </a:gsLst>
+          <a:lin ang="5400000" scaled="0"/>
+        </a:gradFill>
+      </a:fillStyleLst>
+      <a:lnStyleLst>
+        <a:ln w="6350" cap="flat" cmpd="sng" algn="ctr">
+          <a:solidFill>
+            <a:schemeClr val="phClr"/>
+          </a:solidFill>
+          <a:prstDash val="solid"/>
+          <a:miter lim="800000"/>
+        </a:ln>
+        <a:ln w="12700" cap="flat" cmpd="sng" algn="ctr">
+          <a:solidFill>
+            <a:schemeClr val="phClr"/>
+          </a:solidFill>
+          <a:prstDash val="solid"/>
+          <a:miter lim="800000"/>
+        </a:ln>
+        <a:ln w="19050" cap="flat" cmpd="sng" algn="ctr">
+          <a:solidFill>
+            <a:schemeClr val="phClr"/>
+          </a:solidFill>
+          <a:prstDash val="solid"/>
+          <a:miter lim="800000"/>
+        </a:ln>
+      </a:lnStyleLst>
+      <a:effectStyleLst>
+        <a:effectStyle>
+          <a:effectLst/>
+        </a:effectStyle>
+        <a:effectStyle>
+          <a:effectLst/>
+        </a:effectStyle>
+        <a:effectStyle>
+          <a:effectLst>
+            <a:outerShdw blurRad="57150" dist="19050" dir="5400000" algn="ctr" rotWithShape="0">
+              <a:srgbClr val="000000">
+                <a:alpha val="63000"/>
+              </a:srgbClr>
+            </a:outerShdw>
+          </a:effectLst>
+        </a:effectStyle>
+      </a:effectStyleLst>
+      <a:bgFillStyleLst>
+        <a:solidFill>
+          <a:schemeClr val="phClr"/>
+        </a:solidFill>
+        <a:solidFill>
+          <a:schemeClr val="phClr">
+            <a:tint val="95000"/>
+            <a:satMod val="170000"/>
+          </a:schemeClr>
+        </a:solidFill>
+        <a:gradFill rotWithShape="1">
+          <a:gsLst>
+            <a:gs pos="0">
+              <a:schemeClr val="phClr">
+                <a:tint val="93000"/>
+                <a:satMod val="150000"/>
+                <a:shade val="98000"/>
+                <a:lumMod val="102000"/>
+              </a:schemeClr>
+            </a:gs>
+            <a:gs pos="50000">
+              <a:schemeClr val="phClr">
+                <a:tint val="98000"/>
+                <a:satMod val="130000"/>
+                <a:shade val="90000"/>
+                <a:lumMod val="103000"/>
+              </a:schemeClr>
+            </a:gs>
+            <a:gs pos="100000">
+              <a:schemeClr val="phClr">
+                <a:shade val="63000"/>
+                <a:satMod val="120000"/>
+              </a:schemeClr>
+            </a:gs>
+          </a:gsLst>
+          <a:lin ang="5400000" scaled="0"/>
+        </a:gradFill>
+      </a:bgFillStyleLst>
+    </a:fmtScheme>
+  </a:themeElements>
+  <a:objectDefaults/>
+  <a:extraClrSchemeLst/>
+  <a:extLst>
+    <a:ext uri="{05A4C25C-085E-4340-85A3-A5531E510DB2}">
+      <thm15:themeFamily xmlns:thm15="http://schemas.microsoft.com/office/thememl/2012/main" name="Office Theme" id="{62F939B6-93AF-4DB8-9C6B-D6C7DFDC589F}" vid="{4A3C46E8-61CC-4603-A589-7422A47A8E4A}"/>
+    </a:ext>
+  </a:extLst>
+</a:theme>
 </file>
--- a/Graphs/Combined_graphs.pptx
+++ b/Graphs/Combined_graphs.pptx
@@ -5,14 +5,15 @@
     <p:sldMasterId id="2147483648" r:id="rId1"/>
   </p:sldMasterIdLst>
   <p:notesMasterIdLst>
-    <p:notesMasterId r:id="rId7"/>
+    <p:notesMasterId r:id="rId8"/>
   </p:notesMasterIdLst>
   <p:sldIdLst>
     <p:sldId id="256" r:id="rId2"/>
     <p:sldId id="257" r:id="rId3"/>
-    <p:sldId id="258" r:id="rId4"/>
-    <p:sldId id="259" r:id="rId5"/>
-    <p:sldId id="260" r:id="rId6"/>
+    <p:sldId id="261" r:id="rId4"/>
+    <p:sldId id="258" r:id="rId5"/>
+    <p:sldId id="259" r:id="rId6"/>
+    <p:sldId id="260" r:id="rId7"/>
   </p:sldIdLst>
   <p:sldSz cx="12192000" cy="6858000"/>
   <p:notesSz cx="6858000" cy="9144000"/>
@@ -201,7 +202,7 @@
           <a:p>
             <a:fld id="{9442208E-7104-FB4B-B94B-F0E00CF730CE}" type="datetimeFigureOut">
               <a:rPr lang="en-US" smtClean="0"/>
-              <a:t>11/8/23</a:t>
+              <a:t>11/21/23</a:t>
             </a:fld>
             <a:endParaRPr lang="en-US"/>
           </a:p>
@@ -533,7 +534,7 @@
           <a:p>
             <a:fld id="{CB797A4D-4A54-014D-A969-C0497745592B}" type="slidenum">
               <a:rPr lang="en-US" smtClean="0"/>
-              <a:t>5</a:t>
+              <a:t>6</a:t>
             </a:fld>
             <a:endParaRPr lang="en-US"/>
           </a:p>
@@ -699,7 +700,7 @@
           <a:p>
             <a:fld id="{5EFC74E6-600C-6143-96A1-798B945F6426}" type="datetimeFigureOut">
               <a:rPr lang="en-US" smtClean="0"/>
-              <a:t>11/7/23</a:t>
+              <a:t>11/21/23</a:t>
             </a:fld>
             <a:endParaRPr lang="en-US"/>
           </a:p>
@@ -897,7 +898,7 @@
           <a:p>
             <a:fld id="{5EFC74E6-600C-6143-96A1-798B945F6426}" type="datetimeFigureOut">
               <a:rPr lang="en-US" smtClean="0"/>
-              <a:t>11/7/23</a:t>
+              <a:t>11/21/23</a:t>
             </a:fld>
             <a:endParaRPr lang="en-US"/>
           </a:p>
@@ -1105,7 +1106,7 @@
           <a:p>
             <a:fld id="{5EFC74E6-600C-6143-96A1-798B945F6426}" type="datetimeFigureOut">
               <a:rPr lang="en-US" smtClean="0"/>
-              <a:t>11/7/23</a:t>
+              <a:t>11/21/23</a:t>
             </a:fld>
             <a:endParaRPr lang="en-US"/>
           </a:p>
@@ -1303,7 +1304,7 @@
           <a:p>
             <a:fld id="{5EFC74E6-600C-6143-96A1-798B945F6426}" type="datetimeFigureOut">
               <a:rPr lang="en-US" smtClean="0"/>
-              <a:t>11/7/23</a:t>
+              <a:t>11/21/23</a:t>
             </a:fld>
             <a:endParaRPr lang="en-US"/>
           </a:p>
@@ -1578,7 +1579,7 @@
           <a:p>
             <a:fld id="{5EFC74E6-600C-6143-96A1-798B945F6426}" type="datetimeFigureOut">
               <a:rPr lang="en-US" smtClean="0"/>
-              <a:t>11/7/23</a:t>
+              <a:t>11/21/23</a:t>
             </a:fld>
             <a:endParaRPr lang="en-US"/>
           </a:p>
@@ -1843,7 +1844,7 @@
           <a:p>
             <a:fld id="{5EFC74E6-600C-6143-96A1-798B945F6426}" type="datetimeFigureOut">
               <a:rPr lang="en-US" smtClean="0"/>
-              <a:t>11/7/23</a:t>
+              <a:t>11/21/23</a:t>
             </a:fld>
             <a:endParaRPr lang="en-US"/>
           </a:p>
@@ -2255,7 +2256,7 @@
           <a:p>
             <a:fld id="{5EFC74E6-600C-6143-96A1-798B945F6426}" type="datetimeFigureOut">
               <a:rPr lang="en-US" smtClean="0"/>
-              <a:t>11/7/23</a:t>
+              <a:t>11/21/23</a:t>
             </a:fld>
             <a:endParaRPr lang="en-US"/>
           </a:p>
@@ -2396,7 +2397,7 @@
           <a:p>
             <a:fld id="{5EFC74E6-600C-6143-96A1-798B945F6426}" type="datetimeFigureOut">
               <a:rPr lang="en-US" smtClean="0"/>
-              <a:t>11/7/23</a:t>
+              <a:t>11/21/23</a:t>
             </a:fld>
             <a:endParaRPr lang="en-US"/>
           </a:p>
@@ -2509,7 +2510,7 @@
           <a:p>
             <a:fld id="{5EFC74E6-600C-6143-96A1-798B945F6426}" type="datetimeFigureOut">
               <a:rPr lang="en-US" smtClean="0"/>
-              <a:t>11/7/23</a:t>
+              <a:t>11/21/23</a:t>
             </a:fld>
             <a:endParaRPr lang="en-US"/>
           </a:p>
@@ -2820,7 +2821,7 @@
           <a:p>
             <a:fld id="{5EFC74E6-600C-6143-96A1-798B945F6426}" type="datetimeFigureOut">
               <a:rPr lang="en-US" smtClean="0"/>
-              <a:t>11/7/23</a:t>
+              <a:t>11/21/23</a:t>
             </a:fld>
             <a:endParaRPr lang="en-US"/>
           </a:p>
@@ -3108,7 +3109,7 @@
           <a:p>
             <a:fld id="{5EFC74E6-600C-6143-96A1-798B945F6426}" type="datetimeFigureOut">
               <a:rPr lang="en-US" smtClean="0"/>
-              <a:t>11/7/23</a:t>
+              <a:t>11/21/23</a:t>
             </a:fld>
             <a:endParaRPr lang="en-US"/>
           </a:p>
@@ -3349,7 +3350,7 @@
           <a:p>
             <a:fld id="{5EFC74E6-600C-6143-96A1-798B945F6426}" type="datetimeFigureOut">
               <a:rPr lang="en-US" smtClean="0"/>
-              <a:t>11/7/23</a:t>
+              <a:t>11/21/23</a:t>
             </a:fld>
             <a:endParaRPr lang="en-US"/>
           </a:p>
@@ -4261,6 +4262,116 @@
           <a:chExt cx="0" cy="0"/>
         </a:xfrm>
       </p:grpSpPr>
+      <p:sp>
+        <p:nvSpPr>
+          <p:cNvPr id="2" name="Title 1">
+            <a:extLst>
+              <a:ext uri="{FF2B5EF4-FFF2-40B4-BE49-F238E27FC236}">
+                <a16:creationId xmlns:a16="http://schemas.microsoft.com/office/drawing/2014/main" id="{B41EB018-F033-CC8F-7C81-9B15A8CAA019}"/>
+              </a:ext>
+            </a:extLst>
+          </p:cNvPr>
+          <p:cNvSpPr>
+            <a:spLocks noGrp="1"/>
+          </p:cNvSpPr>
+          <p:nvPr>
+            <p:ph type="title"/>
+          </p:nvPr>
+        </p:nvSpPr>
+        <p:spPr/>
+        <p:txBody>
+          <a:bodyPr/>
+          <a:lstStyle/>
+          <a:p>
+            <a:endParaRPr lang="en-US"/>
+          </a:p>
+        </p:txBody>
+      </p:sp>
+      <p:sp>
+        <p:nvSpPr>
+          <p:cNvPr id="3" name="Content Placeholder 2">
+            <a:extLst>
+              <a:ext uri="{FF2B5EF4-FFF2-40B4-BE49-F238E27FC236}">
+                <a16:creationId xmlns:a16="http://schemas.microsoft.com/office/drawing/2014/main" id="{4CDC2AF7-F085-1290-71DC-EFB64A7B711C}"/>
+              </a:ext>
+            </a:extLst>
+          </p:cNvPr>
+          <p:cNvSpPr>
+            <a:spLocks noGrp="1"/>
+          </p:cNvSpPr>
+          <p:nvPr>
+            <p:ph idx="1"/>
+          </p:nvPr>
+        </p:nvSpPr>
+        <p:spPr/>
+        <p:txBody>
+          <a:bodyPr/>
+          <a:lstStyle/>
+          <a:p>
+            <a:endParaRPr lang="en-US"/>
+          </a:p>
+        </p:txBody>
+      </p:sp>
+      <p:pic>
+        <p:nvPicPr>
+          <p:cNvPr id="4" name="Picture 3">
+            <a:extLst>
+              <a:ext uri="{FF2B5EF4-FFF2-40B4-BE49-F238E27FC236}">
+                <a16:creationId xmlns:a16="http://schemas.microsoft.com/office/drawing/2014/main" id="{C5515C60-1E8B-A86E-7005-33C0ECC212FE}"/>
+              </a:ext>
+            </a:extLst>
+          </p:cNvPr>
+          <p:cNvPicPr>
+            <a:picLocks noChangeAspect="1"/>
+          </p:cNvPicPr>
+          <p:nvPr/>
+        </p:nvPicPr>
+        <p:blipFill>
+          <a:blip r:embed="rId2"/>
+          <a:stretch>
+            <a:fillRect/>
+          </a:stretch>
+        </p:blipFill>
+        <p:spPr>
+          <a:xfrm>
+            <a:off x="3912260" y="1248310"/>
+            <a:ext cx="5372040" cy="3881299"/>
+          </a:xfrm>
+          <a:prstGeom prst="rect">
+            <a:avLst/>
+          </a:prstGeom>
+        </p:spPr>
+      </p:pic>
+    </p:spTree>
+    <p:extLst>
+      <p:ext uri="{BB962C8B-B14F-4D97-AF65-F5344CB8AC3E}">
+        <p14:creationId xmlns:p14="http://schemas.microsoft.com/office/powerpoint/2010/main" val="179826009"/>
+      </p:ext>
+    </p:extLst>
+  </p:cSld>
+  <p:clrMapOvr>
+    <a:masterClrMapping/>
+  </p:clrMapOvr>
+</p:sld>
+</file>
+
+<file path=ppt/slides/slide4.xml><?xml version="1.0" encoding="utf-8"?>
+<p:sld xmlns:a="http://schemas.openxmlformats.org/drawingml/2006/main" xmlns:r="http://schemas.openxmlformats.org/officeDocument/2006/relationships" xmlns:p="http://schemas.openxmlformats.org/presentationml/2006/main">
+  <p:cSld>
+    <p:spTree>
+      <p:nvGrpSpPr>
+        <p:cNvPr id="1" name=""/>
+        <p:cNvGrpSpPr/>
+        <p:nvPr/>
+      </p:nvGrpSpPr>
+      <p:grpSpPr>
+        <a:xfrm>
+          <a:off x="0" y="0"/>
+          <a:ext cx="0" cy="0"/>
+          <a:chOff x="0" y="0"/>
+          <a:chExt cx="0" cy="0"/>
+        </a:xfrm>
+      </p:grpSpPr>
       <p:pic>
         <p:nvPicPr>
           <p:cNvPr id="5" name="Content Placeholder 4" descr="A graph of a normalized mcc&#10;&#10;Description automatically generated">
@@ -4332,7 +4443,7 @@
 </p:sld>
 </file>
 
-<file path=ppt/slides/slide4.xml><?xml version="1.0" encoding="utf-8"?>
+<file path=ppt/slides/slide5.xml><?xml version="1.0" encoding="utf-8"?>
 <p:sld xmlns:a="http://schemas.openxmlformats.org/drawingml/2006/main" xmlns:r="http://schemas.openxmlformats.org/officeDocument/2006/relationships" xmlns:p="http://schemas.openxmlformats.org/presentationml/2006/main">
   <p:cSld>
     <p:spTree>
@@ -4442,7 +4553,7 @@
 </p:sld>
 </file>
 
-<file path=ppt/slides/slide5.xml><?xml version="1.0" encoding="utf-8"?>
+<file path=ppt/slides/slide6.xml><?xml version="1.0" encoding="utf-8"?>
 <p:sld xmlns:a="http://schemas.openxmlformats.org/drawingml/2006/main" xmlns:r="http://schemas.openxmlformats.org/officeDocument/2006/relationships" xmlns:p="http://schemas.openxmlformats.org/presentationml/2006/main">
   <p:cSld>
     <p:spTree>

--- a/Graphs/Combined_graphs.pptx
+++ b/Graphs/Combined_graphs.pptx
@@ -202,7 +202,7 @@
           <a:p>
             <a:fld id="{9442208E-7104-FB4B-B94B-F0E00CF730CE}" type="datetimeFigureOut">
               <a:rPr lang="en-US" smtClean="0"/>
-              <a:t>11/21/23</a:t>
+              <a:t>11/27/23</a:t>
             </a:fld>
             <a:endParaRPr lang="en-US"/>
           </a:p>
@@ -700,7 +700,7 @@
           <a:p>
             <a:fld id="{5EFC74E6-600C-6143-96A1-798B945F6426}" type="datetimeFigureOut">
               <a:rPr lang="en-US" smtClean="0"/>
-              <a:t>11/21/23</a:t>
+              <a:t>11/27/23</a:t>
             </a:fld>
             <a:endParaRPr lang="en-US"/>
           </a:p>
@@ -898,7 +898,7 @@
           <a:p>
             <a:fld id="{5EFC74E6-600C-6143-96A1-798B945F6426}" type="datetimeFigureOut">
               <a:rPr lang="en-US" smtClean="0"/>
-              <a:t>11/21/23</a:t>
+              <a:t>11/27/23</a:t>
             </a:fld>
             <a:endParaRPr lang="en-US"/>
           </a:p>
@@ -1106,7 +1106,7 @@
           <a:p>
             <a:fld id="{5EFC74E6-600C-6143-96A1-798B945F6426}" type="datetimeFigureOut">
               <a:rPr lang="en-US" smtClean="0"/>
-              <a:t>11/21/23</a:t>
+              <a:t>11/27/23</a:t>
             </a:fld>
             <a:endParaRPr lang="en-US"/>
           </a:p>
@@ -1304,7 +1304,7 @@
           <a:p>
             <a:fld id="{5EFC74E6-600C-6143-96A1-798B945F6426}" type="datetimeFigureOut">
               <a:rPr lang="en-US" smtClean="0"/>
-              <a:t>11/21/23</a:t>
+              <a:t>11/27/23</a:t>
             </a:fld>
             <a:endParaRPr lang="en-US"/>
           </a:p>
@@ -1579,7 +1579,7 @@
           <a:p>
             <a:fld id="{5EFC74E6-600C-6143-96A1-798B945F6426}" type="datetimeFigureOut">
               <a:rPr lang="en-US" smtClean="0"/>
-              <a:t>11/21/23</a:t>
+              <a:t>11/27/23</a:t>
             </a:fld>
             <a:endParaRPr lang="en-US"/>
           </a:p>
@@ -1844,7 +1844,7 @@
           <a:p>
             <a:fld id="{5EFC74E6-600C-6143-96A1-798B945F6426}" type="datetimeFigureOut">
               <a:rPr lang="en-US" smtClean="0"/>
-              <a:t>11/21/23</a:t>
+              <a:t>11/27/23</a:t>
             </a:fld>
             <a:endParaRPr lang="en-US"/>
           </a:p>
@@ -2256,7 +2256,7 @@
           <a:p>
             <a:fld id="{5EFC74E6-600C-6143-96A1-798B945F6426}" type="datetimeFigureOut">
               <a:rPr lang="en-US" smtClean="0"/>
-              <a:t>11/21/23</a:t>
+              <a:t>11/27/23</a:t>
             </a:fld>
             <a:endParaRPr lang="en-US"/>
           </a:p>
@@ -2397,7 +2397,7 @@
           <a:p>
             <a:fld id="{5EFC74E6-600C-6143-96A1-798B945F6426}" type="datetimeFigureOut">
               <a:rPr lang="en-US" smtClean="0"/>
-              <a:t>11/21/23</a:t>
+              <a:t>11/27/23</a:t>
             </a:fld>
             <a:endParaRPr lang="en-US"/>
           </a:p>
@@ -2510,7 +2510,7 @@
           <a:p>
             <a:fld id="{5EFC74E6-600C-6143-96A1-798B945F6426}" type="datetimeFigureOut">
               <a:rPr lang="en-US" smtClean="0"/>
-              <a:t>11/21/23</a:t>
+              <a:t>11/27/23</a:t>
             </a:fld>
             <a:endParaRPr lang="en-US"/>
           </a:p>
@@ -2821,7 +2821,7 @@
           <a:p>
             <a:fld id="{5EFC74E6-600C-6143-96A1-798B945F6426}" type="datetimeFigureOut">
               <a:rPr lang="en-US" smtClean="0"/>
-              <a:t>11/21/23</a:t>
+              <a:t>11/27/23</a:t>
             </a:fld>
             <a:endParaRPr lang="en-US"/>
           </a:p>
@@ -3109,7 +3109,7 @@
           <a:p>
             <a:fld id="{5EFC74E6-600C-6143-96A1-798B945F6426}" type="datetimeFigureOut">
               <a:rPr lang="en-US" smtClean="0"/>
-              <a:t>11/21/23</a:t>
+              <a:t>11/27/23</a:t>
             </a:fld>
             <a:endParaRPr lang="en-US"/>
           </a:p>
@@ -3350,7 +3350,7 @@
           <a:p>
             <a:fld id="{5EFC74E6-600C-6143-96A1-798B945F6426}" type="datetimeFigureOut">
               <a:rPr lang="en-US" smtClean="0"/>
-              <a:t>11/21/23</a:t>
+              <a:t>11/27/23</a:t>
             </a:fld>
             <a:endParaRPr lang="en-US"/>
           </a:p>
@@ -3769,10 +3769,10 @@
       </p:grpSpPr>
       <p:grpSp>
         <p:nvGrpSpPr>
-          <p:cNvPr id="33" name="Group 32">
-            <a:extLst>
-              <a:ext uri="{FF2B5EF4-FFF2-40B4-BE49-F238E27FC236}">
-                <a16:creationId xmlns:a16="http://schemas.microsoft.com/office/drawing/2014/main" id="{7E5AA0C6-CB72-6E92-CAC6-62CDFF13428E}"/>
+          <p:cNvPr id="6" name="Group 5">
+            <a:extLst>
+              <a:ext uri="{FF2B5EF4-FFF2-40B4-BE49-F238E27FC236}">
+                <a16:creationId xmlns:a16="http://schemas.microsoft.com/office/drawing/2014/main" id="{AE88B785-E4C3-5B72-C1DD-E529F17BEF2E}"/>
               </a:ext>
             </a:extLst>
           </p:cNvPr>
@@ -3782,17 +3782,47 @@
         <p:grpSpPr>
           <a:xfrm>
             <a:off x="2155719" y="483157"/>
-            <a:ext cx="7311176" cy="7300254"/>
+            <a:ext cx="8274692" cy="7300254"/>
             <a:chOff x="2155719" y="483157"/>
-            <a:chExt cx="7311176" cy="7300254"/>
+            <a:chExt cx="8274692" cy="7300254"/>
           </a:xfrm>
         </p:grpSpPr>
+        <p:pic>
+          <p:nvPicPr>
+            <p:cNvPr id="5" name="Picture 4" descr="A graph of a number of different levels&#10;&#10;Description automatically generated with medium confidence">
+              <a:extLst>
+                <a:ext uri="{FF2B5EF4-FFF2-40B4-BE49-F238E27FC236}">
+                  <a16:creationId xmlns:a16="http://schemas.microsoft.com/office/drawing/2014/main" id="{2A513706-57B0-8D28-C6AD-48CBA624CB72}"/>
+                </a:ext>
+              </a:extLst>
+            </p:cNvPr>
+            <p:cNvPicPr>
+              <a:picLocks noChangeAspect="1"/>
+            </p:cNvPicPr>
+            <p:nvPr/>
+          </p:nvPicPr>
+          <p:blipFill>
+            <a:blip r:embed="rId2"/>
+            <a:stretch>
+              <a:fillRect/>
+            </a:stretch>
+          </p:blipFill>
+          <p:spPr>
+            <a:xfrm>
+              <a:off x="6096000" y="733853"/>
+              <a:ext cx="4334411" cy="3674002"/>
+            </a:xfrm>
+            <a:prstGeom prst="rect">
+              <a:avLst/>
+            </a:prstGeom>
+          </p:spPr>
+        </p:pic>
         <p:grpSp>
           <p:nvGrpSpPr>
-            <p:cNvPr id="30" name="Group 29">
+            <p:cNvPr id="33" name="Group 32">
               <a:extLst>
                 <a:ext uri="{FF2B5EF4-FFF2-40B4-BE49-F238E27FC236}">
-                  <a16:creationId xmlns:a16="http://schemas.microsoft.com/office/drawing/2014/main" id="{321A39E9-394C-4085-D70C-868E06283D42}"/>
+                  <a16:creationId xmlns:a16="http://schemas.microsoft.com/office/drawing/2014/main" id="{7E5AA0C6-CB72-6E92-CAC6-62CDFF13428E}"/>
                 </a:ext>
               </a:extLst>
             </p:cNvPr>
@@ -3802,17 +3832,17 @@
           <p:grpSpPr>
             <a:xfrm>
               <a:off x="2155719" y="483157"/>
-              <a:ext cx="7311176" cy="7300254"/>
-              <a:chOff x="2155719" y="551395"/>
-              <a:chExt cx="7311176" cy="7300254"/>
+              <a:ext cx="6570969" cy="7300254"/>
+              <a:chOff x="2155719" y="483157"/>
+              <a:chExt cx="6570969" cy="7300254"/>
             </a:xfrm>
           </p:grpSpPr>
           <p:grpSp>
             <p:nvGrpSpPr>
-              <p:cNvPr id="24" name="Group 23">
+              <p:cNvPr id="30" name="Group 29">
                 <a:extLst>
                   <a:ext uri="{FF2B5EF4-FFF2-40B4-BE49-F238E27FC236}">
-                    <a16:creationId xmlns:a16="http://schemas.microsoft.com/office/drawing/2014/main" id="{CCA1FA93-7866-6716-3384-7936473017D1}"/>
+                    <a16:creationId xmlns:a16="http://schemas.microsoft.com/office/drawing/2014/main" id="{321A39E9-394C-4085-D70C-868E06283D42}"/>
                   </a:ext>
                 </a:extLst>
               </p:cNvPr>
@@ -3821,18 +3851,18 @@
             </p:nvGrpSpPr>
             <p:grpSpPr>
               <a:xfrm>
-                <a:off x="2155719" y="704193"/>
-                <a:ext cx="7311176" cy="7147456"/>
-                <a:chOff x="2166230" y="0"/>
-                <a:chExt cx="7311176" cy="7147456"/>
+                <a:off x="2155719" y="483157"/>
+                <a:ext cx="6570969" cy="7300254"/>
+                <a:chOff x="2155719" y="551395"/>
+                <a:chExt cx="6570969" cy="7300254"/>
               </a:xfrm>
             </p:grpSpPr>
             <p:grpSp>
               <p:nvGrpSpPr>
-                <p:cNvPr id="20" name="Group 19">
+                <p:cNvPr id="24" name="Group 23">
                   <a:extLst>
                     <a:ext uri="{FF2B5EF4-FFF2-40B4-BE49-F238E27FC236}">
-                      <a16:creationId xmlns:a16="http://schemas.microsoft.com/office/drawing/2014/main" id="{EA998633-677E-4AF6-C51B-B1E73D7E2A03}"/>
+                      <a16:creationId xmlns:a16="http://schemas.microsoft.com/office/drawing/2014/main" id="{CCA1FA93-7866-6716-3384-7936473017D1}"/>
                     </a:ext>
                   </a:extLst>
                 </p:cNvPr>
@@ -3841,10 +3871,10 @@
               </p:nvGrpSpPr>
               <p:grpSpPr>
                 <a:xfrm>
-                  <a:off x="2166230" y="0"/>
-                  <a:ext cx="7311176" cy="4037734"/>
-                  <a:chOff x="2041941" y="0"/>
-                  <a:chExt cx="7311176" cy="4037734"/>
+                  <a:off x="2155719" y="704193"/>
+                  <a:ext cx="6570969" cy="7147456"/>
+                  <a:chOff x="2166230" y="0"/>
+                  <a:chExt cx="6570969" cy="7147456"/>
                 </a:xfrm>
               </p:grpSpPr>
               <p:pic>
@@ -3862,14 +3892,14 @@
                   <p:nvPr/>
                 </p:nvPicPr>
                 <p:blipFill>
-                  <a:blip r:embed="rId2"/>
+                  <a:blip r:embed="rId3"/>
                   <a:stretch>
                     <a:fillRect/>
                   </a:stretch>
                 </p:blipFill>
                 <p:spPr>
                   <a:xfrm>
-                    <a:off x="2041941" y="0"/>
+                    <a:off x="2166230" y="0"/>
                     <a:ext cx="3771900" cy="3771900"/>
                   </a:xfrm>
                   <a:prstGeom prst="rect">
@@ -3879,10 +3909,10 @@
               </p:pic>
               <p:pic>
                 <p:nvPicPr>
-                  <p:cNvPr id="18" name="Picture 17">
+                  <p:cNvPr id="23" name="Picture 22">
                     <a:extLst>
                       <a:ext uri="{FF2B5EF4-FFF2-40B4-BE49-F238E27FC236}">
-                        <a16:creationId xmlns:a16="http://schemas.microsoft.com/office/drawing/2014/main" id="{3852BF2C-90CD-ECB1-26C2-E3150004C598}"/>
+                        <a16:creationId xmlns:a16="http://schemas.microsoft.com/office/drawing/2014/main" id="{48684034-B333-EBD0-EEB7-A4FED505854E}"/>
                       </a:ext>
                     </a:extLst>
                   </p:cNvPr>
@@ -3892,15 +3922,15 @@
                   <p:nvPr/>
                 </p:nvPicPr>
                 <p:blipFill>
-                  <a:blip r:embed="rId3"/>
+                  <a:blip r:embed="rId4"/>
                   <a:stretch>
                     <a:fillRect/>
                   </a:stretch>
                 </p:blipFill>
                 <p:spPr>
                   <a:xfrm>
-                    <a:off x="5813841" y="93360"/>
-                    <a:ext cx="3539276" cy="3944374"/>
+                    <a:off x="3281546" y="4037734"/>
+                    <a:ext cx="5455653" cy="3109722"/>
                   </a:xfrm>
                   <a:prstGeom prst="rect">
                     <a:avLst/>
@@ -3910,10 +3940,10 @@
             </p:grpSp>
             <p:pic>
               <p:nvPicPr>
-                <p:cNvPr id="23" name="Picture 22">
+                <p:cNvPr id="26" name="Picture 25">
                   <a:extLst>
                     <a:ext uri="{FF2B5EF4-FFF2-40B4-BE49-F238E27FC236}">
-                      <a16:creationId xmlns:a16="http://schemas.microsoft.com/office/drawing/2014/main" id="{48684034-B333-EBD0-EEB7-A4FED505854E}"/>
+                      <a16:creationId xmlns:a16="http://schemas.microsoft.com/office/drawing/2014/main" id="{4BB8F589-BB19-0DA1-9F08-4C007065C045}"/>
                     </a:ext>
                   </a:extLst>
                 </p:cNvPr>
@@ -3923,15 +3953,75 @@
                 <p:nvPr/>
               </p:nvPicPr>
               <p:blipFill>
-                <a:blip r:embed="rId4"/>
+                <a:blip r:embed="rId5"/>
                 <a:stretch>
                   <a:fillRect/>
                 </a:stretch>
               </p:blipFill>
               <p:spPr>
                 <a:xfrm>
-                  <a:off x="3281546" y="4037734"/>
-                  <a:ext cx="5455653" cy="3109722"/>
+                  <a:off x="2610817" y="551395"/>
+                  <a:ext cx="228575" cy="246158"/>
+                </a:xfrm>
+                <a:prstGeom prst="rect">
+                  <a:avLst/>
+                </a:prstGeom>
+              </p:spPr>
+            </p:pic>
+            <p:pic>
+              <p:nvPicPr>
+                <p:cNvPr id="27" name="Picture 26">
+                  <a:extLst>
+                    <a:ext uri="{FF2B5EF4-FFF2-40B4-BE49-F238E27FC236}">
+                      <a16:creationId xmlns:a16="http://schemas.microsoft.com/office/drawing/2014/main" id="{94E78890-A2DB-3D14-99A6-DEED737B7ECB}"/>
+                    </a:ext>
+                  </a:extLst>
+                </p:cNvPr>
+                <p:cNvPicPr>
+                  <a:picLocks noChangeAspect="1"/>
+                </p:cNvPicPr>
+                <p:nvPr/>
+              </p:nvPicPr>
+              <p:blipFill>
+                <a:blip r:embed="rId6"/>
+                <a:stretch>
+                  <a:fillRect/>
+                </a:stretch>
+              </p:blipFill>
+              <p:spPr>
+                <a:xfrm>
+                  <a:off x="6382717" y="551395"/>
+                  <a:ext cx="229253" cy="246888"/>
+                </a:xfrm>
+                <a:prstGeom prst="rect">
+                  <a:avLst/>
+                </a:prstGeom>
+              </p:spPr>
+            </p:pic>
+            <p:pic>
+              <p:nvPicPr>
+                <p:cNvPr id="29" name="Picture 28">
+                  <a:extLst>
+                    <a:ext uri="{FF2B5EF4-FFF2-40B4-BE49-F238E27FC236}">
+                      <a16:creationId xmlns:a16="http://schemas.microsoft.com/office/drawing/2014/main" id="{88712C2C-D2B0-A83D-BCE3-C46E7DB2580A}"/>
+                    </a:ext>
+                  </a:extLst>
+                </p:cNvPr>
+                <p:cNvPicPr>
+                  <a:picLocks noChangeAspect="1"/>
+                </p:cNvPicPr>
+                <p:nvPr/>
+              </p:nvPicPr>
+              <p:blipFill>
+                <a:blip r:embed="rId7"/>
+                <a:stretch>
+                  <a:fillRect/>
+                </a:stretch>
+              </p:blipFill>
+              <p:spPr>
+                <a:xfrm>
+                  <a:off x="4583073" y="4741927"/>
+                  <a:ext cx="228575" cy="260303"/>
                 </a:xfrm>
                 <a:prstGeom prst="rect">
                   <a:avLst/>
@@ -3941,10 +4031,10 @@
           </p:grpSp>
           <p:pic>
             <p:nvPicPr>
-              <p:cNvPr id="26" name="Picture 25">
+              <p:cNvPr id="32" name="Picture 31" descr="A graph of performance scores&#10;&#10;Description automatically generated">
                 <a:extLst>
                   <a:ext uri="{FF2B5EF4-FFF2-40B4-BE49-F238E27FC236}">
-                    <a16:creationId xmlns:a16="http://schemas.microsoft.com/office/drawing/2014/main" id="{4BB8F589-BB19-0DA1-9F08-4C007065C045}"/>
+                    <a16:creationId xmlns:a16="http://schemas.microsoft.com/office/drawing/2014/main" id="{49404510-6A09-51C8-DD5D-1AFE2EAD2BB6}"/>
                   </a:ext>
                 </a:extLst>
               </p:cNvPr>
@@ -3954,75 +4044,15 @@
               <p:nvPr/>
             </p:nvPicPr>
             <p:blipFill>
-              <a:blip r:embed="rId5"/>
+              <a:blip r:embed="rId8"/>
               <a:stretch>
                 <a:fillRect/>
               </a:stretch>
             </p:blipFill>
             <p:spPr>
               <a:xfrm>
-                <a:off x="2610817" y="551395"/>
-                <a:ext cx="228575" cy="246158"/>
-              </a:xfrm>
-              <a:prstGeom prst="rect">
-                <a:avLst/>
-              </a:prstGeom>
-            </p:spPr>
-          </p:pic>
-          <p:pic>
-            <p:nvPicPr>
-              <p:cNvPr id="27" name="Picture 26">
-                <a:extLst>
-                  <a:ext uri="{FF2B5EF4-FFF2-40B4-BE49-F238E27FC236}">
-                    <a16:creationId xmlns:a16="http://schemas.microsoft.com/office/drawing/2014/main" id="{94E78890-A2DB-3D14-99A6-DEED737B7ECB}"/>
-                  </a:ext>
-                </a:extLst>
-              </p:cNvPr>
-              <p:cNvPicPr>
-                <a:picLocks noChangeAspect="1"/>
-              </p:cNvPicPr>
-              <p:nvPr/>
-            </p:nvPicPr>
-            <p:blipFill>
-              <a:blip r:embed="rId6"/>
-              <a:stretch>
-                <a:fillRect/>
-              </a:stretch>
-            </p:blipFill>
-            <p:spPr>
-              <a:xfrm>
-                <a:off x="6382717" y="551395"/>
-                <a:ext cx="229253" cy="246888"/>
-              </a:xfrm>
-              <a:prstGeom prst="rect">
-                <a:avLst/>
-              </a:prstGeom>
-            </p:spPr>
-          </p:pic>
-          <p:pic>
-            <p:nvPicPr>
-              <p:cNvPr id="29" name="Picture 28">
-                <a:extLst>
-                  <a:ext uri="{FF2B5EF4-FFF2-40B4-BE49-F238E27FC236}">
-                    <a16:creationId xmlns:a16="http://schemas.microsoft.com/office/drawing/2014/main" id="{88712C2C-D2B0-A83D-BCE3-C46E7DB2580A}"/>
-                  </a:ext>
-                </a:extLst>
-              </p:cNvPr>
-              <p:cNvPicPr>
-                <a:picLocks noChangeAspect="1"/>
-              </p:cNvPicPr>
-              <p:nvPr/>
-            </p:nvPicPr>
-            <p:blipFill>
-              <a:blip r:embed="rId7"/>
-              <a:stretch>
-                <a:fillRect/>
-              </a:stretch>
-            </p:blipFill>
-            <p:spPr>
-              <a:xfrm>
-                <a:off x="4583073" y="4741927"/>
-                <a:ext cx="228575" cy="260303"/>
+                <a:off x="2207887" y="688122"/>
+                <a:ext cx="3667565" cy="3667565"/>
               </a:xfrm>
               <a:prstGeom prst="rect">
                 <a:avLst/>
@@ -4030,36 +4060,6 @@
             </p:spPr>
           </p:pic>
         </p:grpSp>
-        <p:pic>
-          <p:nvPicPr>
-            <p:cNvPr id="32" name="Picture 31" descr="A graph of performance scores&#10;&#10;Description automatically generated">
-              <a:extLst>
-                <a:ext uri="{FF2B5EF4-FFF2-40B4-BE49-F238E27FC236}">
-                  <a16:creationId xmlns:a16="http://schemas.microsoft.com/office/drawing/2014/main" id="{49404510-6A09-51C8-DD5D-1AFE2EAD2BB6}"/>
-                </a:ext>
-              </a:extLst>
-            </p:cNvPr>
-            <p:cNvPicPr>
-              <a:picLocks noChangeAspect="1"/>
-            </p:cNvPicPr>
-            <p:nvPr/>
-          </p:nvPicPr>
-          <p:blipFill>
-            <a:blip r:embed="rId8"/>
-            <a:stretch>
-              <a:fillRect/>
-            </a:stretch>
-          </p:blipFill>
-          <p:spPr>
-            <a:xfrm>
-              <a:off x="2207887" y="688122"/>
-              <a:ext cx="3667565" cy="3667565"/>
-            </a:xfrm>
-            <a:prstGeom prst="rect">
-              <a:avLst/>
-            </a:prstGeom>
-          </p:spPr>
-        </p:pic>
       </p:grpSp>
     </p:spTree>
     <p:extLst>

--- a/Graphs/Combined_graphs.pptx
+++ b/Graphs/Combined_graphs.pptx
@@ -5,15 +5,16 @@
     <p:sldMasterId id="2147483648" r:id="rId1"/>
   </p:sldMasterIdLst>
   <p:notesMasterIdLst>
-    <p:notesMasterId r:id="rId8"/>
+    <p:notesMasterId r:id="rId9"/>
   </p:notesMasterIdLst>
   <p:sldIdLst>
     <p:sldId id="256" r:id="rId2"/>
-    <p:sldId id="257" r:id="rId3"/>
-    <p:sldId id="261" r:id="rId4"/>
-    <p:sldId id="258" r:id="rId5"/>
-    <p:sldId id="259" r:id="rId6"/>
-    <p:sldId id="260" r:id="rId7"/>
+    <p:sldId id="262" r:id="rId3"/>
+    <p:sldId id="257" r:id="rId4"/>
+    <p:sldId id="261" r:id="rId5"/>
+    <p:sldId id="258" r:id="rId6"/>
+    <p:sldId id="259" r:id="rId7"/>
+    <p:sldId id="260" r:id="rId8"/>
   </p:sldIdLst>
   <p:sldSz cx="12192000" cy="6858000"/>
   <p:notesSz cx="6858000" cy="9144000"/>
@@ -202,7 +203,7 @@
           <a:p>
             <a:fld id="{9442208E-7104-FB4B-B94B-F0E00CF730CE}" type="datetimeFigureOut">
               <a:rPr lang="en-US" smtClean="0"/>
-              <a:t>11/27/23</a:t>
+              <a:t>12/12/23</a:t>
             </a:fld>
             <a:endParaRPr lang="en-US"/>
           </a:p>
@@ -513,7 +514,7 @@
           <a:bodyPr/>
           <a:lstStyle/>
           <a:p>
-            <a:endParaRPr lang="en-US"/>
+            <a:endParaRPr lang="en-US" dirty="0"/>
           </a:p>
         </p:txBody>
       </p:sp>
@@ -534,7 +535,259 @@
           <a:p>
             <a:fld id="{CB797A4D-4A54-014D-A969-C0497745592B}" type="slidenum">
               <a:rPr lang="en-US" smtClean="0"/>
-              <a:t>6</a:t>
+              <a:t>1</a:t>
+            </a:fld>
+            <a:endParaRPr lang="en-US"/>
+          </a:p>
+        </p:txBody>
+      </p:sp>
+    </p:spTree>
+    <p:extLst>
+      <p:ext uri="{BB962C8B-B14F-4D97-AF65-F5344CB8AC3E}">
+        <p14:creationId xmlns:p14="http://schemas.microsoft.com/office/powerpoint/2010/main" val="1245628066"/>
+      </p:ext>
+    </p:extLst>
+  </p:cSld>
+  <p:clrMapOvr>
+    <a:masterClrMapping/>
+  </p:clrMapOvr>
+</p:notes>
+</file>
+
+<file path=ppt/notesSlides/notesSlide2.xml><?xml version="1.0" encoding="utf-8"?>
+<p:notes xmlns:a="http://schemas.openxmlformats.org/drawingml/2006/main" xmlns:r="http://schemas.openxmlformats.org/officeDocument/2006/relationships" xmlns:p="http://schemas.openxmlformats.org/presentationml/2006/main">
+  <p:cSld>
+    <p:spTree>
+      <p:nvGrpSpPr>
+        <p:cNvPr id="1" name=""/>
+        <p:cNvGrpSpPr/>
+        <p:nvPr/>
+      </p:nvGrpSpPr>
+      <p:grpSpPr>
+        <a:xfrm>
+          <a:off x="0" y="0"/>
+          <a:ext cx="0" cy="0"/>
+          <a:chOff x="0" y="0"/>
+          <a:chExt cx="0" cy="0"/>
+        </a:xfrm>
+      </p:grpSpPr>
+      <p:sp>
+        <p:nvSpPr>
+          <p:cNvPr id="2" name="Slide Image Placeholder 1"/>
+          <p:cNvSpPr>
+            <a:spLocks noGrp="1" noRot="1" noChangeAspect="1"/>
+          </p:cNvSpPr>
+          <p:nvPr>
+            <p:ph type="sldImg"/>
+          </p:nvPr>
+        </p:nvSpPr>
+        <p:spPr/>
+      </p:sp>
+      <p:sp>
+        <p:nvSpPr>
+          <p:cNvPr id="3" name="Notes Placeholder 2"/>
+          <p:cNvSpPr>
+            <a:spLocks noGrp="1"/>
+          </p:cNvSpPr>
+          <p:nvPr>
+            <p:ph type="body" idx="1"/>
+          </p:nvPr>
+        </p:nvSpPr>
+        <p:spPr/>
+        <p:txBody>
+          <a:bodyPr/>
+          <a:lstStyle/>
+          <a:p>
+            <a:endParaRPr lang="en-US" dirty="0"/>
+          </a:p>
+        </p:txBody>
+      </p:sp>
+      <p:sp>
+        <p:nvSpPr>
+          <p:cNvPr id="4" name="Slide Number Placeholder 3"/>
+          <p:cNvSpPr>
+            <a:spLocks noGrp="1"/>
+          </p:cNvSpPr>
+          <p:nvPr>
+            <p:ph type="sldNum" sz="quarter" idx="5"/>
+          </p:nvPr>
+        </p:nvSpPr>
+        <p:spPr/>
+        <p:txBody>
+          <a:bodyPr/>
+          <a:lstStyle/>
+          <a:p>
+            <a:fld id="{CB797A4D-4A54-014D-A969-C0497745592B}" type="slidenum">
+              <a:rPr lang="en-US" smtClean="0"/>
+              <a:t>2</a:t>
+            </a:fld>
+            <a:endParaRPr lang="en-US"/>
+          </a:p>
+        </p:txBody>
+      </p:sp>
+    </p:spTree>
+    <p:extLst>
+      <p:ext uri="{BB962C8B-B14F-4D97-AF65-F5344CB8AC3E}">
+        <p14:creationId xmlns:p14="http://schemas.microsoft.com/office/powerpoint/2010/main" val="2013914470"/>
+      </p:ext>
+    </p:extLst>
+  </p:cSld>
+  <p:clrMapOvr>
+    <a:masterClrMapping/>
+  </p:clrMapOvr>
+</p:notes>
+</file>
+
+<file path=ppt/notesSlides/notesSlide3.xml><?xml version="1.0" encoding="utf-8"?>
+<p:notes xmlns:a="http://schemas.openxmlformats.org/drawingml/2006/main" xmlns:r="http://schemas.openxmlformats.org/officeDocument/2006/relationships" xmlns:p="http://schemas.openxmlformats.org/presentationml/2006/main">
+  <p:cSld>
+    <p:spTree>
+      <p:nvGrpSpPr>
+        <p:cNvPr id="1" name=""/>
+        <p:cNvGrpSpPr/>
+        <p:nvPr/>
+      </p:nvGrpSpPr>
+      <p:grpSpPr>
+        <a:xfrm>
+          <a:off x="0" y="0"/>
+          <a:ext cx="0" cy="0"/>
+          <a:chOff x="0" y="0"/>
+          <a:chExt cx="0" cy="0"/>
+        </a:xfrm>
+      </p:grpSpPr>
+      <p:sp>
+        <p:nvSpPr>
+          <p:cNvPr id="2" name="Slide Image Placeholder 1"/>
+          <p:cNvSpPr>
+            <a:spLocks noGrp="1" noRot="1" noChangeAspect="1"/>
+          </p:cNvSpPr>
+          <p:nvPr>
+            <p:ph type="sldImg"/>
+          </p:nvPr>
+        </p:nvSpPr>
+        <p:spPr/>
+      </p:sp>
+      <p:sp>
+        <p:nvSpPr>
+          <p:cNvPr id="3" name="Notes Placeholder 2"/>
+          <p:cNvSpPr>
+            <a:spLocks noGrp="1"/>
+          </p:cNvSpPr>
+          <p:nvPr>
+            <p:ph type="body" idx="1"/>
+          </p:nvPr>
+        </p:nvSpPr>
+        <p:spPr/>
+        <p:txBody>
+          <a:bodyPr/>
+          <a:lstStyle/>
+          <a:p>
+            <a:endParaRPr lang="en-US" dirty="0"/>
+          </a:p>
+        </p:txBody>
+      </p:sp>
+      <p:sp>
+        <p:nvSpPr>
+          <p:cNvPr id="4" name="Slide Number Placeholder 3"/>
+          <p:cNvSpPr>
+            <a:spLocks noGrp="1"/>
+          </p:cNvSpPr>
+          <p:nvPr>
+            <p:ph type="sldNum" sz="quarter" idx="5"/>
+          </p:nvPr>
+        </p:nvSpPr>
+        <p:spPr/>
+        <p:txBody>
+          <a:bodyPr/>
+          <a:lstStyle/>
+          <a:p>
+            <a:fld id="{CB797A4D-4A54-014D-A969-C0497745592B}" type="slidenum">
+              <a:rPr lang="en-US" smtClean="0"/>
+              <a:t>3</a:t>
+            </a:fld>
+            <a:endParaRPr lang="en-US"/>
+          </a:p>
+        </p:txBody>
+      </p:sp>
+    </p:spTree>
+    <p:extLst>
+      <p:ext uri="{BB962C8B-B14F-4D97-AF65-F5344CB8AC3E}">
+        <p14:creationId xmlns:p14="http://schemas.microsoft.com/office/powerpoint/2010/main" val="3878775852"/>
+      </p:ext>
+    </p:extLst>
+  </p:cSld>
+  <p:clrMapOvr>
+    <a:masterClrMapping/>
+  </p:clrMapOvr>
+</p:notes>
+</file>
+
+<file path=ppt/notesSlides/notesSlide4.xml><?xml version="1.0" encoding="utf-8"?>
+<p:notes xmlns:a="http://schemas.openxmlformats.org/drawingml/2006/main" xmlns:r="http://schemas.openxmlformats.org/officeDocument/2006/relationships" xmlns:p="http://schemas.openxmlformats.org/presentationml/2006/main">
+  <p:cSld>
+    <p:spTree>
+      <p:nvGrpSpPr>
+        <p:cNvPr id="1" name=""/>
+        <p:cNvGrpSpPr/>
+        <p:nvPr/>
+      </p:nvGrpSpPr>
+      <p:grpSpPr>
+        <a:xfrm>
+          <a:off x="0" y="0"/>
+          <a:ext cx="0" cy="0"/>
+          <a:chOff x="0" y="0"/>
+          <a:chExt cx="0" cy="0"/>
+        </a:xfrm>
+      </p:grpSpPr>
+      <p:sp>
+        <p:nvSpPr>
+          <p:cNvPr id="2" name="Slide Image Placeholder 1"/>
+          <p:cNvSpPr>
+            <a:spLocks noGrp="1" noRot="1" noChangeAspect="1"/>
+          </p:cNvSpPr>
+          <p:nvPr>
+            <p:ph type="sldImg"/>
+          </p:nvPr>
+        </p:nvSpPr>
+        <p:spPr/>
+      </p:sp>
+      <p:sp>
+        <p:nvSpPr>
+          <p:cNvPr id="3" name="Notes Placeholder 2"/>
+          <p:cNvSpPr>
+            <a:spLocks noGrp="1"/>
+          </p:cNvSpPr>
+          <p:nvPr>
+            <p:ph type="body" idx="1"/>
+          </p:nvPr>
+        </p:nvSpPr>
+        <p:spPr/>
+        <p:txBody>
+          <a:bodyPr/>
+          <a:lstStyle/>
+          <a:p>
+            <a:endParaRPr lang="en-US"/>
+          </a:p>
+        </p:txBody>
+      </p:sp>
+      <p:sp>
+        <p:nvSpPr>
+          <p:cNvPr id="4" name="Slide Number Placeholder 3"/>
+          <p:cNvSpPr>
+            <a:spLocks noGrp="1"/>
+          </p:cNvSpPr>
+          <p:nvPr>
+            <p:ph type="sldNum" sz="quarter" idx="5"/>
+          </p:nvPr>
+        </p:nvSpPr>
+        <p:spPr/>
+        <p:txBody>
+          <a:bodyPr/>
+          <a:lstStyle/>
+          <a:p>
+            <a:fld id="{CB797A4D-4A54-014D-A969-C0497745592B}" type="slidenum">
+              <a:rPr lang="en-US" smtClean="0"/>
+              <a:t>7</a:t>
             </a:fld>
             <a:endParaRPr lang="en-US"/>
           </a:p>
@@ -700,7 +953,7 @@
           <a:p>
             <a:fld id="{5EFC74E6-600C-6143-96A1-798B945F6426}" type="datetimeFigureOut">
               <a:rPr lang="en-US" smtClean="0"/>
-              <a:t>11/27/23</a:t>
+              <a:t>12/12/23</a:t>
             </a:fld>
             <a:endParaRPr lang="en-US"/>
           </a:p>
@@ -898,7 +1151,7 @@
           <a:p>
             <a:fld id="{5EFC74E6-600C-6143-96A1-798B945F6426}" type="datetimeFigureOut">
               <a:rPr lang="en-US" smtClean="0"/>
-              <a:t>11/27/23</a:t>
+              <a:t>12/12/23</a:t>
             </a:fld>
             <a:endParaRPr lang="en-US"/>
           </a:p>
@@ -1106,7 +1359,7 @@
           <a:p>
             <a:fld id="{5EFC74E6-600C-6143-96A1-798B945F6426}" type="datetimeFigureOut">
               <a:rPr lang="en-US" smtClean="0"/>
-              <a:t>11/27/23</a:t>
+              <a:t>12/12/23</a:t>
             </a:fld>
             <a:endParaRPr lang="en-US"/>
           </a:p>
@@ -1304,7 +1557,7 @@
           <a:p>
             <a:fld id="{5EFC74E6-600C-6143-96A1-798B945F6426}" type="datetimeFigureOut">
               <a:rPr lang="en-US" smtClean="0"/>
-              <a:t>11/27/23</a:t>
+              <a:t>12/12/23</a:t>
             </a:fld>
             <a:endParaRPr lang="en-US"/>
           </a:p>
@@ -1579,7 +1832,7 @@
           <a:p>
             <a:fld id="{5EFC74E6-600C-6143-96A1-798B945F6426}" type="datetimeFigureOut">
               <a:rPr lang="en-US" smtClean="0"/>
-              <a:t>11/27/23</a:t>
+              <a:t>12/12/23</a:t>
             </a:fld>
             <a:endParaRPr lang="en-US"/>
           </a:p>
@@ -1844,7 +2097,7 @@
           <a:p>
             <a:fld id="{5EFC74E6-600C-6143-96A1-798B945F6426}" type="datetimeFigureOut">
               <a:rPr lang="en-US" smtClean="0"/>
-              <a:t>11/27/23</a:t>
+              <a:t>12/12/23</a:t>
             </a:fld>
             <a:endParaRPr lang="en-US"/>
           </a:p>
@@ -2256,7 +2509,7 @@
           <a:p>
             <a:fld id="{5EFC74E6-600C-6143-96A1-798B945F6426}" type="datetimeFigureOut">
               <a:rPr lang="en-US" smtClean="0"/>
-              <a:t>11/27/23</a:t>
+              <a:t>12/12/23</a:t>
             </a:fld>
             <a:endParaRPr lang="en-US"/>
           </a:p>
@@ -2397,7 +2650,7 @@
           <a:p>
             <a:fld id="{5EFC74E6-600C-6143-96A1-798B945F6426}" type="datetimeFigureOut">
               <a:rPr lang="en-US" smtClean="0"/>
-              <a:t>11/27/23</a:t>
+              <a:t>12/12/23</a:t>
             </a:fld>
             <a:endParaRPr lang="en-US"/>
           </a:p>
@@ -2510,7 +2763,7 @@
           <a:p>
             <a:fld id="{5EFC74E6-600C-6143-96A1-798B945F6426}" type="datetimeFigureOut">
               <a:rPr lang="en-US" smtClean="0"/>
-              <a:t>11/27/23</a:t>
+              <a:t>12/12/23</a:t>
             </a:fld>
             <a:endParaRPr lang="en-US"/>
           </a:p>
@@ -2821,7 +3074,7 @@
           <a:p>
             <a:fld id="{5EFC74E6-600C-6143-96A1-798B945F6426}" type="datetimeFigureOut">
               <a:rPr lang="en-US" smtClean="0"/>
-              <a:t>11/27/23</a:t>
+              <a:t>12/12/23</a:t>
             </a:fld>
             <a:endParaRPr lang="en-US"/>
           </a:p>
@@ -3109,7 +3362,7 @@
           <a:p>
             <a:fld id="{5EFC74E6-600C-6143-96A1-798B945F6426}" type="datetimeFigureOut">
               <a:rPr lang="en-US" smtClean="0"/>
-              <a:t>11/27/23</a:t>
+              <a:t>12/12/23</a:t>
             </a:fld>
             <a:endParaRPr lang="en-US"/>
           </a:p>
@@ -3350,7 +3603,7 @@
           <a:p>
             <a:fld id="{5EFC74E6-600C-6143-96A1-798B945F6426}" type="datetimeFigureOut">
               <a:rPr lang="en-US" smtClean="0"/>
-              <a:t>11/27/23</a:t>
+              <a:t>12/12/23</a:t>
             </a:fld>
             <a:endParaRPr lang="en-US"/>
           </a:p>
@@ -3781,10 +4034,10 @@
         </p:nvGrpSpPr>
         <p:grpSpPr>
           <a:xfrm>
-            <a:off x="2155719" y="483157"/>
-            <a:ext cx="8274692" cy="7300254"/>
-            <a:chOff x="2155719" y="483157"/>
-            <a:chExt cx="8274692" cy="7300254"/>
+            <a:off x="2155719" y="434798"/>
+            <a:ext cx="8371830" cy="7296446"/>
+            <a:chOff x="2155719" y="434798"/>
+            <a:chExt cx="8371830" cy="7296446"/>
           </a:xfrm>
         </p:grpSpPr>
         <p:pic>
@@ -3802,14 +4055,14 @@
             <p:nvPr/>
           </p:nvPicPr>
           <p:blipFill>
-            <a:blip r:embed="rId2"/>
+            <a:blip r:embed="rId3"/>
             <a:stretch>
               <a:fillRect/>
             </a:stretch>
           </p:blipFill>
           <p:spPr>
             <a:xfrm>
-              <a:off x="6096000" y="733853"/>
+              <a:off x="6193138" y="681686"/>
               <a:ext cx="4334411" cy="3674002"/>
             </a:xfrm>
             <a:prstGeom prst="rect">
@@ -3831,10 +4084,10 @@
           </p:nvGrpSpPr>
           <p:grpSpPr>
             <a:xfrm>
-              <a:off x="2155719" y="483157"/>
-              <a:ext cx="6570969" cy="7300254"/>
-              <a:chOff x="2155719" y="483157"/>
-              <a:chExt cx="6570969" cy="7300254"/>
+              <a:off x="2155719" y="434798"/>
+              <a:ext cx="6668107" cy="7296446"/>
+              <a:chOff x="2155719" y="434798"/>
+              <a:chExt cx="6668107" cy="7296446"/>
             </a:xfrm>
           </p:grpSpPr>
           <p:grpSp>
@@ -3851,10 +4104,10 @@
             </p:nvGrpSpPr>
             <p:grpSpPr>
               <a:xfrm>
-                <a:off x="2155719" y="483157"/>
-                <a:ext cx="6570969" cy="7300254"/>
-                <a:chOff x="2155719" y="551395"/>
-                <a:chExt cx="6570969" cy="7300254"/>
+                <a:off x="2155719" y="434798"/>
+                <a:ext cx="6668107" cy="7296446"/>
+                <a:chOff x="2155719" y="503036"/>
+                <a:chExt cx="6668107" cy="7296446"/>
               </a:xfrm>
             </p:grpSpPr>
             <p:grpSp>
@@ -3872,9 +4125,9 @@
               <p:grpSpPr>
                 <a:xfrm>
                   <a:off x="2155719" y="704193"/>
-                  <a:ext cx="6570969" cy="7147456"/>
+                  <a:ext cx="6668107" cy="7095289"/>
                   <a:chOff x="2166230" y="0"/>
-                  <a:chExt cx="6570969" cy="7147456"/>
+                  <a:chExt cx="6668107" cy="7095289"/>
                 </a:xfrm>
               </p:grpSpPr>
               <p:pic>
@@ -3892,7 +4145,7 @@
                   <p:nvPr/>
                 </p:nvPicPr>
                 <p:blipFill>
-                  <a:blip r:embed="rId3"/>
+                  <a:blip r:embed="rId4"/>
                   <a:stretch>
                     <a:fillRect/>
                   </a:stretch>
@@ -3922,14 +4175,14 @@
                   <p:nvPr/>
                 </p:nvPicPr>
                 <p:blipFill>
-                  <a:blip r:embed="rId4"/>
+                  <a:blip r:embed="rId5"/>
                   <a:stretch>
                     <a:fillRect/>
                   </a:stretch>
                 </p:blipFill>
                 <p:spPr>
                   <a:xfrm>
-                    <a:off x="3281546" y="4037734"/>
+                    <a:off x="3378684" y="3985567"/>
                     <a:ext cx="5455653" cy="3109722"/>
                   </a:xfrm>
                   <a:prstGeom prst="rect">
@@ -3953,15 +4206,15 @@
                 <p:nvPr/>
               </p:nvPicPr>
               <p:blipFill>
-                <a:blip r:embed="rId5"/>
+                <a:blip r:embed="rId6"/>
                 <a:stretch>
                   <a:fillRect/>
                 </a:stretch>
               </p:blipFill>
               <p:spPr>
                 <a:xfrm>
-                  <a:off x="2610817" y="551395"/>
-                  <a:ext cx="228575" cy="246158"/>
+                  <a:off x="2305025" y="503036"/>
+                  <a:ext cx="228575" cy="246888"/>
                 </a:xfrm>
                 <a:prstGeom prst="rect">
                   <a:avLst/>
@@ -3983,14 +4236,14 @@
                 <p:nvPr/>
               </p:nvPicPr>
               <p:blipFill>
-                <a:blip r:embed="rId6"/>
+                <a:blip r:embed="rId7"/>
                 <a:stretch>
                   <a:fillRect/>
                 </a:stretch>
               </p:blipFill>
               <p:spPr>
                 <a:xfrm>
-                  <a:off x="6382717" y="551395"/>
+                  <a:off x="6277036" y="503036"/>
                   <a:ext cx="229253" cy="246888"/>
                 </a:xfrm>
                 <a:prstGeom prst="rect">
@@ -4013,14 +4266,14 @@
                 <p:nvPr/>
               </p:nvPicPr>
               <p:blipFill>
-                <a:blip r:embed="rId7"/>
+                <a:blip r:embed="rId8"/>
                 <a:stretch>
                   <a:fillRect/>
                 </a:stretch>
               </p:blipFill>
               <p:spPr>
                 <a:xfrm>
-                  <a:off x="4583073" y="4741927"/>
+                  <a:off x="3744174" y="4689760"/>
                   <a:ext cx="228575" cy="260303"/>
                 </a:xfrm>
                 <a:prstGeom prst="rect">
@@ -4044,14 +4297,14 @@
               <p:nvPr/>
             </p:nvPicPr>
             <p:blipFill>
-              <a:blip r:embed="rId8"/>
+              <a:blip r:embed="rId9"/>
               <a:stretch>
                 <a:fillRect/>
               </a:stretch>
             </p:blipFill>
             <p:spPr>
               <a:xfrm>
-                <a:off x="2207887" y="688122"/>
+                <a:off x="2305025" y="635955"/>
                 <a:ext cx="3667565" cy="3667565"/>
               </a:xfrm>
               <a:prstGeom prst="rect">
@@ -4093,6 +4346,257 @@
       </p:grpSpPr>
       <p:grpSp>
         <p:nvGrpSpPr>
+          <p:cNvPr id="9" name="Group 8">
+            <a:extLst>
+              <a:ext uri="{FF2B5EF4-FFF2-40B4-BE49-F238E27FC236}">
+                <a16:creationId xmlns:a16="http://schemas.microsoft.com/office/drawing/2014/main" id="{14B2ACAD-2279-DB43-3F30-6CFD1E780EF0}"/>
+              </a:ext>
+            </a:extLst>
+          </p:cNvPr>
+          <p:cNvGrpSpPr/>
+          <p:nvPr/>
+        </p:nvGrpSpPr>
+        <p:grpSpPr>
+          <a:xfrm>
+            <a:off x="2626491" y="516713"/>
+            <a:ext cx="7627159" cy="6850415"/>
+            <a:chOff x="2626491" y="516713"/>
+            <a:chExt cx="7627159" cy="6850415"/>
+          </a:xfrm>
+        </p:grpSpPr>
+        <p:pic>
+          <p:nvPicPr>
+            <p:cNvPr id="8" name="Picture 7">
+              <a:extLst>
+                <a:ext uri="{FF2B5EF4-FFF2-40B4-BE49-F238E27FC236}">
+                  <a16:creationId xmlns:a16="http://schemas.microsoft.com/office/drawing/2014/main" id="{CDF72044-C9B9-4768-DDCA-46DA1C90ED33}"/>
+                </a:ext>
+              </a:extLst>
+            </p:cNvPr>
+            <p:cNvPicPr>
+              <a:picLocks noChangeAspect="1"/>
+            </p:cNvPicPr>
+            <p:nvPr/>
+          </p:nvPicPr>
+          <p:blipFill rotWithShape="1">
+            <a:blip r:embed="rId3"/>
+            <a:srcRect t="1033"/>
+            <a:stretch/>
+          </p:blipFill>
+          <p:spPr>
+            <a:xfrm>
+              <a:off x="3275785" y="3931632"/>
+              <a:ext cx="6644733" cy="3435496"/>
+            </a:xfrm>
+            <a:prstGeom prst="rect">
+              <a:avLst/>
+            </a:prstGeom>
+          </p:spPr>
+        </p:pic>
+        <p:grpSp>
+          <p:nvGrpSpPr>
+            <p:cNvPr id="30" name="Group 29">
+              <a:extLst>
+                <a:ext uri="{FF2B5EF4-FFF2-40B4-BE49-F238E27FC236}">
+                  <a16:creationId xmlns:a16="http://schemas.microsoft.com/office/drawing/2014/main" id="{321A39E9-394C-4085-D70C-868E06283D42}"/>
+                </a:ext>
+              </a:extLst>
+            </p:cNvPr>
+            <p:cNvGrpSpPr/>
+            <p:nvPr/>
+          </p:nvGrpSpPr>
+          <p:grpSpPr>
+            <a:xfrm>
+              <a:off x="2626491" y="516713"/>
+              <a:ext cx="4001153" cy="3902367"/>
+              <a:chOff x="2610817" y="551395"/>
+              <a:chExt cx="4001153" cy="3902367"/>
+            </a:xfrm>
+          </p:grpSpPr>
+          <p:pic>
+            <p:nvPicPr>
+              <p:cNvPr id="26" name="Picture 25">
+                <a:extLst>
+                  <a:ext uri="{FF2B5EF4-FFF2-40B4-BE49-F238E27FC236}">
+                    <a16:creationId xmlns:a16="http://schemas.microsoft.com/office/drawing/2014/main" id="{4BB8F589-BB19-0DA1-9F08-4C007065C045}"/>
+                  </a:ext>
+                </a:extLst>
+              </p:cNvPr>
+              <p:cNvPicPr>
+                <a:picLocks noChangeAspect="1"/>
+              </p:cNvPicPr>
+              <p:nvPr/>
+            </p:nvPicPr>
+            <p:blipFill>
+              <a:blip r:embed="rId4"/>
+              <a:stretch>
+                <a:fillRect/>
+              </a:stretch>
+            </p:blipFill>
+            <p:spPr>
+              <a:xfrm>
+                <a:off x="2610817" y="551395"/>
+                <a:ext cx="228575" cy="246158"/>
+              </a:xfrm>
+              <a:prstGeom prst="rect">
+                <a:avLst/>
+              </a:prstGeom>
+            </p:spPr>
+          </p:pic>
+          <p:pic>
+            <p:nvPicPr>
+              <p:cNvPr id="27" name="Picture 26">
+                <a:extLst>
+                  <a:ext uri="{FF2B5EF4-FFF2-40B4-BE49-F238E27FC236}">
+                    <a16:creationId xmlns:a16="http://schemas.microsoft.com/office/drawing/2014/main" id="{94E78890-A2DB-3D14-99A6-DEED737B7ECB}"/>
+                  </a:ext>
+                </a:extLst>
+              </p:cNvPr>
+              <p:cNvPicPr>
+                <a:picLocks noChangeAspect="1"/>
+              </p:cNvPicPr>
+              <p:nvPr/>
+            </p:nvPicPr>
+            <p:blipFill>
+              <a:blip r:embed="rId5"/>
+              <a:stretch>
+                <a:fillRect/>
+              </a:stretch>
+            </p:blipFill>
+            <p:spPr>
+              <a:xfrm>
+                <a:off x="6382717" y="551395"/>
+                <a:ext cx="229253" cy="246888"/>
+              </a:xfrm>
+              <a:prstGeom prst="rect">
+                <a:avLst/>
+              </a:prstGeom>
+            </p:spPr>
+          </p:pic>
+          <p:pic>
+            <p:nvPicPr>
+              <p:cNvPr id="29" name="Picture 28">
+                <a:extLst>
+                  <a:ext uri="{FF2B5EF4-FFF2-40B4-BE49-F238E27FC236}">
+                    <a16:creationId xmlns:a16="http://schemas.microsoft.com/office/drawing/2014/main" id="{88712C2C-D2B0-A83D-BCE3-C46E7DB2580A}"/>
+                  </a:ext>
+                </a:extLst>
+              </p:cNvPr>
+              <p:cNvPicPr>
+                <a:picLocks noChangeAspect="1"/>
+              </p:cNvPicPr>
+              <p:nvPr/>
+            </p:nvPicPr>
+            <p:blipFill>
+              <a:blip r:embed="rId6"/>
+              <a:stretch>
+                <a:fillRect/>
+              </a:stretch>
+            </p:blipFill>
+            <p:spPr>
+              <a:xfrm>
+                <a:off x="3260111" y="4193459"/>
+                <a:ext cx="228575" cy="260303"/>
+              </a:xfrm>
+              <a:prstGeom prst="rect">
+                <a:avLst/>
+              </a:prstGeom>
+            </p:spPr>
+          </p:pic>
+        </p:grpSp>
+        <p:pic>
+          <p:nvPicPr>
+            <p:cNvPr id="3" name="Picture 2">
+              <a:extLst>
+                <a:ext uri="{FF2B5EF4-FFF2-40B4-BE49-F238E27FC236}">
+                  <a16:creationId xmlns:a16="http://schemas.microsoft.com/office/drawing/2014/main" id="{B265AF06-12CF-ECC0-3307-50DBD43B77C7}"/>
+                </a:ext>
+              </a:extLst>
+            </p:cNvPr>
+            <p:cNvPicPr>
+              <a:picLocks noChangeAspect="1"/>
+            </p:cNvPicPr>
+            <p:nvPr/>
+          </p:nvPicPr>
+          <p:blipFill>
+            <a:blip r:embed="rId7"/>
+            <a:stretch>
+              <a:fillRect/>
+            </a:stretch>
+          </p:blipFill>
+          <p:spPr>
+            <a:xfrm>
+              <a:off x="6096000" y="778041"/>
+              <a:ext cx="4157650" cy="3153591"/>
+            </a:xfrm>
+            <a:prstGeom prst="rect">
+              <a:avLst/>
+            </a:prstGeom>
+          </p:spPr>
+        </p:pic>
+        <p:pic>
+          <p:nvPicPr>
+            <p:cNvPr id="7" name="Picture 6">
+              <a:extLst>
+                <a:ext uri="{FF2B5EF4-FFF2-40B4-BE49-F238E27FC236}">
+                  <a16:creationId xmlns:a16="http://schemas.microsoft.com/office/drawing/2014/main" id="{8C6554A3-4734-002B-7897-C01F9B6FCDD9}"/>
+                </a:ext>
+              </a:extLst>
+            </p:cNvPr>
+            <p:cNvPicPr>
+              <a:picLocks noChangeAspect="1"/>
+            </p:cNvPicPr>
+            <p:nvPr/>
+          </p:nvPicPr>
+          <p:blipFill>
+            <a:blip r:embed="rId8"/>
+            <a:stretch>
+              <a:fillRect/>
+            </a:stretch>
+          </p:blipFill>
+          <p:spPr>
+            <a:xfrm>
+              <a:off x="2855066" y="726073"/>
+              <a:ext cx="3240934" cy="3223344"/>
+            </a:xfrm>
+            <a:prstGeom prst="rect">
+              <a:avLst/>
+            </a:prstGeom>
+          </p:spPr>
+        </p:pic>
+      </p:grpSp>
+    </p:spTree>
+    <p:extLst>
+      <p:ext uri="{BB962C8B-B14F-4D97-AF65-F5344CB8AC3E}">
+        <p14:creationId xmlns:p14="http://schemas.microsoft.com/office/powerpoint/2010/main" val="2254932660"/>
+      </p:ext>
+    </p:extLst>
+  </p:cSld>
+  <p:clrMapOvr>
+    <a:masterClrMapping/>
+  </p:clrMapOvr>
+</p:sld>
+</file>
+
+<file path=ppt/slides/slide3.xml><?xml version="1.0" encoding="utf-8"?>
+<p:sld xmlns:a="http://schemas.openxmlformats.org/drawingml/2006/main" xmlns:r="http://schemas.openxmlformats.org/officeDocument/2006/relationships" xmlns:p="http://schemas.openxmlformats.org/presentationml/2006/main">
+  <p:cSld>
+    <p:spTree>
+      <p:nvGrpSpPr>
+        <p:cNvPr id="1" name=""/>
+        <p:cNvGrpSpPr/>
+        <p:nvPr/>
+      </p:nvGrpSpPr>
+      <p:grpSpPr>
+        <a:xfrm>
+          <a:off x="0" y="0"/>
+          <a:ext cx="0" cy="0"/>
+          <a:chOff x="0" y="0"/>
+          <a:chExt cx="0" cy="0"/>
+        </a:xfrm>
+      </p:grpSpPr>
+      <p:grpSp>
+        <p:nvGrpSpPr>
           <p:cNvPr id="14" name="Group 13">
             <a:extLst>
               <a:ext uri="{FF2B5EF4-FFF2-40B4-BE49-F238E27FC236}">
@@ -4126,7 +4630,7 @@
             <p:nvPr/>
           </p:nvPicPr>
           <p:blipFill>
-            <a:blip r:embed="rId2"/>
+            <a:blip r:embed="rId3"/>
             <a:stretch>
               <a:fillRect/>
             </a:stretch>
@@ -4156,7 +4660,7 @@
             <p:nvPr/>
           </p:nvPicPr>
           <p:blipFill>
-            <a:blip r:embed="rId3"/>
+            <a:blip r:embed="rId4"/>
             <a:stretch>
               <a:fillRect/>
             </a:stretch>
@@ -4186,7 +4690,7 @@
             <p:nvPr/>
           </p:nvPicPr>
           <p:blipFill>
-            <a:blip r:embed="rId4"/>
+            <a:blip r:embed="rId5"/>
             <a:stretch>
               <a:fillRect/>
             </a:stretch>
@@ -4216,7 +4720,7 @@
             <p:nvPr/>
           </p:nvPicPr>
           <p:blipFill>
-            <a:blip r:embed="rId5"/>
+            <a:blip r:embed="rId6"/>
             <a:stretch>
               <a:fillRect/>
             </a:stretch>
@@ -4245,7 +4749,7 @@
 </p:sld>
 </file>
 
-<file path=ppt/slides/slide3.xml><?xml version="1.0" encoding="utf-8"?>
+<file path=ppt/slides/slide4.xml><?xml version="1.0" encoding="utf-8"?>
 <p:sld xmlns:a="http://schemas.openxmlformats.org/drawingml/2006/main" xmlns:r="http://schemas.openxmlformats.org/officeDocument/2006/relationships" xmlns:p="http://schemas.openxmlformats.org/presentationml/2006/main">
   <p:cSld>
     <p:spTree>
@@ -4355,7 +4859,7 @@
 </p:sld>
 </file>
 
-<file path=ppt/slides/slide4.xml><?xml version="1.0" encoding="utf-8"?>
+<file path=ppt/slides/slide5.xml><?xml version="1.0" encoding="utf-8"?>
 <p:sld xmlns:a="http://schemas.openxmlformats.org/drawingml/2006/main" xmlns:r="http://schemas.openxmlformats.org/officeDocument/2006/relationships" xmlns:p="http://schemas.openxmlformats.org/presentationml/2006/main">
   <p:cSld>
     <p:spTree>
@@ -4443,7 +4947,7 @@
 </p:sld>
 </file>
 
-<file path=ppt/slides/slide5.xml><?xml version="1.0" encoding="utf-8"?>
+<file path=ppt/slides/slide6.xml><?xml version="1.0" encoding="utf-8"?>
 <p:sld xmlns:a="http://schemas.openxmlformats.org/drawingml/2006/main" xmlns:r="http://schemas.openxmlformats.org/officeDocument/2006/relationships" xmlns:p="http://schemas.openxmlformats.org/presentationml/2006/main">
   <p:cSld>
     <p:spTree>
@@ -4553,7 +5057,7 @@
 </p:sld>
 </file>
 
-<file path=ppt/slides/slide6.xml><?xml version="1.0" encoding="utf-8"?>
+<file path=ppt/slides/slide7.xml><?xml version="1.0" encoding="utf-8"?>
 <p:sld xmlns:a="http://schemas.openxmlformats.org/drawingml/2006/main" xmlns:r="http://schemas.openxmlformats.org/officeDocument/2006/relationships" xmlns:p="http://schemas.openxmlformats.org/presentationml/2006/main">
   <p:cSld>
     <p:spTree>
